--- a/PetCapsule.pptx
+++ b/PetCapsule.pptx
@@ -4,11 +4,19 @@
   <p:sldMasterIdLst>
     <p:sldMasterId id="2147483708" r:id="rId1"/>
   </p:sldMasterIdLst>
+  <p:notesMasterIdLst>
+    <p:notesMasterId r:id="rId11"/>
+  </p:notesMasterIdLst>
   <p:sldIdLst>
     <p:sldId id="256" r:id="rId2"/>
     <p:sldId id="259" r:id="rId3"/>
     <p:sldId id="260" r:id="rId4"/>
     <p:sldId id="261" r:id="rId5"/>
+    <p:sldId id="262" r:id="rId6"/>
+    <p:sldId id="263" r:id="rId7"/>
+    <p:sldId id="264" r:id="rId8"/>
+    <p:sldId id="265" r:id="rId9"/>
+    <p:sldId id="266" r:id="rId10"/>
   </p:sldIdLst>
   <p:sldSz cx="12192000" cy="6858000"/>
   <p:notesSz cx="6858000" cy="9144000"/>
@@ -107,7 +115,362 @@
       </a:defRPr>
     </a:lvl9pPr>
   </p:defaultTextStyle>
+  <p:extLst>
+    <p:ext uri="{EFAFB233-063F-42B5-8137-9DF3F51BA10A}">
+      <p15:sldGuideLst xmlns:p15="http://schemas.microsoft.com/office/powerpoint/2012/main"/>
+    </p:ext>
+  </p:extLst>
 </p:presentation>
+</file>
+
+<file path=ppt/notesMasters/notesMaster1.xml><?xml version="1.0" encoding="utf-8"?>
+<p:notesMaster xmlns:a="http://schemas.openxmlformats.org/drawingml/2006/main" xmlns:r="http://schemas.openxmlformats.org/officeDocument/2006/relationships" xmlns:p="http://schemas.openxmlformats.org/presentationml/2006/main">
+  <p:cSld>
+    <p:bg>
+      <p:bgRef idx="1001">
+        <a:schemeClr val="bg1"/>
+      </p:bgRef>
+    </p:bg>
+    <p:spTree>
+      <p:nvGrpSpPr>
+        <p:cNvPr id="1" name=""/>
+        <p:cNvGrpSpPr/>
+        <p:nvPr/>
+      </p:nvGrpSpPr>
+      <p:grpSpPr>
+        <a:xfrm>
+          <a:off x="0" y="0"/>
+          <a:ext cx="0" cy="0"/>
+          <a:chOff x="0" y="0"/>
+          <a:chExt cx="0" cy="0"/>
+        </a:xfrm>
+      </p:grpSpPr>
+      <p:sp>
+        <p:nvSpPr>
+          <p:cNvPr id="2" name="Header Placeholder 1"/>
+          <p:cNvSpPr>
+            <a:spLocks noGrp="1"/>
+          </p:cNvSpPr>
+          <p:nvPr>
+            <p:ph type="hdr" sz="quarter"/>
+          </p:nvPr>
+        </p:nvSpPr>
+        <p:spPr>
+          <a:xfrm>
+            <a:off x="0" y="0"/>
+            <a:ext cx="2971800" cy="458788"/>
+          </a:xfrm>
+          <a:prstGeom prst="rect">
+            <a:avLst/>
+          </a:prstGeom>
+        </p:spPr>
+        <p:txBody>
+          <a:bodyPr vert="horz" lIns="91440" tIns="45720" rIns="91440" bIns="45720" rtlCol="0"/>
+          <a:lstStyle>
+            <a:lvl1pPr algn="l">
+              <a:defRPr sz="1200"/>
+            </a:lvl1pPr>
+          </a:lstStyle>
+          <a:p>
+            <a:endParaRPr lang="fi-FI"/>
+          </a:p>
+        </p:txBody>
+      </p:sp>
+      <p:sp>
+        <p:nvSpPr>
+          <p:cNvPr id="3" name="Date Placeholder 2"/>
+          <p:cNvSpPr>
+            <a:spLocks noGrp="1"/>
+          </p:cNvSpPr>
+          <p:nvPr>
+            <p:ph type="dt" idx="1"/>
+          </p:nvPr>
+        </p:nvSpPr>
+        <p:spPr>
+          <a:xfrm>
+            <a:off x="3884613" y="0"/>
+            <a:ext cx="2971800" cy="458788"/>
+          </a:xfrm>
+          <a:prstGeom prst="rect">
+            <a:avLst/>
+          </a:prstGeom>
+        </p:spPr>
+        <p:txBody>
+          <a:bodyPr vert="horz" lIns="91440" tIns="45720" rIns="91440" bIns="45720" rtlCol="0"/>
+          <a:lstStyle>
+            <a:lvl1pPr algn="r">
+              <a:defRPr sz="1200"/>
+            </a:lvl1pPr>
+          </a:lstStyle>
+          <a:p>
+            <a:fld id="{2E6E4A2E-C7EF-4CDB-990E-C4972136739B}" type="datetimeFigureOut">
+              <a:rPr lang="fi-FI" smtClean="0"/>
+              <a:t>26.4.2016</a:t>
+            </a:fld>
+            <a:endParaRPr lang="fi-FI"/>
+          </a:p>
+        </p:txBody>
+      </p:sp>
+      <p:sp>
+        <p:nvSpPr>
+          <p:cNvPr id="4" name="Slide Image Placeholder 3"/>
+          <p:cNvSpPr>
+            <a:spLocks noGrp="1" noRot="1" noChangeAspect="1"/>
+          </p:cNvSpPr>
+          <p:nvPr>
+            <p:ph type="sldImg" idx="2"/>
+          </p:nvPr>
+        </p:nvSpPr>
+        <p:spPr>
+          <a:xfrm>
+            <a:off x="685800" y="1143000"/>
+            <a:ext cx="5486400" cy="3086100"/>
+          </a:xfrm>
+          <a:prstGeom prst="rect">
+            <a:avLst/>
+          </a:prstGeom>
+          <a:noFill/>
+          <a:ln w="12700">
+            <a:solidFill>
+              <a:prstClr val="black"/>
+            </a:solidFill>
+          </a:ln>
+        </p:spPr>
+        <p:txBody>
+          <a:bodyPr vert="horz" lIns="91440" tIns="45720" rIns="91440" bIns="45720" rtlCol="0" anchor="ctr"/>
+          <a:lstStyle/>
+          <a:p>
+            <a:endParaRPr lang="fi-FI"/>
+          </a:p>
+        </p:txBody>
+      </p:sp>
+      <p:sp>
+        <p:nvSpPr>
+          <p:cNvPr id="5" name="Notes Placeholder 4"/>
+          <p:cNvSpPr>
+            <a:spLocks noGrp="1"/>
+          </p:cNvSpPr>
+          <p:nvPr>
+            <p:ph type="body" sz="quarter" idx="3"/>
+          </p:nvPr>
+        </p:nvSpPr>
+        <p:spPr>
+          <a:xfrm>
+            <a:off x="685800" y="4400550"/>
+            <a:ext cx="5486400" cy="3600450"/>
+          </a:xfrm>
+          <a:prstGeom prst="rect">
+            <a:avLst/>
+          </a:prstGeom>
+        </p:spPr>
+        <p:txBody>
+          <a:bodyPr vert="horz" lIns="91440" tIns="45720" rIns="91440" bIns="45720" rtlCol="0"/>
+          <a:lstStyle/>
+          <a:p>
+            <a:pPr lvl="0"/>
+            <a:r>
+              <a:rPr lang="en-US" smtClean="0"/>
+              <a:t>Edit Master text styles</a:t>
+            </a:r>
+          </a:p>
+          <a:p>
+            <a:pPr lvl="1"/>
+            <a:r>
+              <a:rPr lang="en-US" smtClean="0"/>
+              <a:t>Second level</a:t>
+            </a:r>
+          </a:p>
+          <a:p>
+            <a:pPr lvl="2"/>
+            <a:r>
+              <a:rPr lang="en-US" smtClean="0"/>
+              <a:t>Third level</a:t>
+            </a:r>
+          </a:p>
+          <a:p>
+            <a:pPr lvl="3"/>
+            <a:r>
+              <a:rPr lang="en-US" smtClean="0"/>
+              <a:t>Fourth level</a:t>
+            </a:r>
+          </a:p>
+          <a:p>
+            <a:pPr lvl="4"/>
+            <a:r>
+              <a:rPr lang="en-US" smtClean="0"/>
+              <a:t>Fifth level</a:t>
+            </a:r>
+            <a:endParaRPr lang="fi-FI"/>
+          </a:p>
+        </p:txBody>
+      </p:sp>
+      <p:sp>
+        <p:nvSpPr>
+          <p:cNvPr id="6" name="Footer Placeholder 5"/>
+          <p:cNvSpPr>
+            <a:spLocks noGrp="1"/>
+          </p:cNvSpPr>
+          <p:nvPr>
+            <p:ph type="ftr" sz="quarter" idx="4"/>
+          </p:nvPr>
+        </p:nvSpPr>
+        <p:spPr>
+          <a:xfrm>
+            <a:off x="0" y="8685213"/>
+            <a:ext cx="2971800" cy="458787"/>
+          </a:xfrm>
+          <a:prstGeom prst="rect">
+            <a:avLst/>
+          </a:prstGeom>
+        </p:spPr>
+        <p:txBody>
+          <a:bodyPr vert="horz" lIns="91440" tIns="45720" rIns="91440" bIns="45720" rtlCol="0" anchor="b"/>
+          <a:lstStyle>
+            <a:lvl1pPr algn="l">
+              <a:defRPr sz="1200"/>
+            </a:lvl1pPr>
+          </a:lstStyle>
+          <a:p>
+            <a:endParaRPr lang="fi-FI"/>
+          </a:p>
+        </p:txBody>
+      </p:sp>
+      <p:sp>
+        <p:nvSpPr>
+          <p:cNvPr id="7" name="Slide Number Placeholder 6"/>
+          <p:cNvSpPr>
+            <a:spLocks noGrp="1"/>
+          </p:cNvSpPr>
+          <p:nvPr>
+            <p:ph type="sldNum" sz="quarter" idx="5"/>
+          </p:nvPr>
+        </p:nvSpPr>
+        <p:spPr>
+          <a:xfrm>
+            <a:off x="3884613" y="8685213"/>
+            <a:ext cx="2971800" cy="458787"/>
+          </a:xfrm>
+          <a:prstGeom prst="rect">
+            <a:avLst/>
+          </a:prstGeom>
+        </p:spPr>
+        <p:txBody>
+          <a:bodyPr vert="horz" lIns="91440" tIns="45720" rIns="91440" bIns="45720" rtlCol="0" anchor="b"/>
+          <a:lstStyle>
+            <a:lvl1pPr algn="r">
+              <a:defRPr sz="1200"/>
+            </a:lvl1pPr>
+          </a:lstStyle>
+          <a:p>
+            <a:fld id="{1B385A44-FE8D-49D7-BD4F-9017B1644D9C}" type="slidenum">
+              <a:rPr lang="fi-FI" smtClean="0"/>
+              <a:t>‹#›</a:t>
+            </a:fld>
+            <a:endParaRPr lang="fi-FI"/>
+          </a:p>
+        </p:txBody>
+      </p:sp>
+    </p:spTree>
+    <p:extLst>
+      <p:ext uri="{BB962C8B-B14F-4D97-AF65-F5344CB8AC3E}">
+        <p14:creationId xmlns:p14="http://schemas.microsoft.com/office/powerpoint/2010/main" val="4286490831"/>
+      </p:ext>
+    </p:extLst>
+  </p:cSld>
+  <p:clrMap bg1="lt1" tx1="dk1" bg2="lt2" tx2="dk2" accent1="accent1" accent2="accent2" accent3="accent3" accent4="accent4" accent5="accent5" accent6="accent6" hlink="hlink" folHlink="folHlink"/>
+  <p:notesStyle>
+    <a:lvl1pPr marL="0" algn="l" defTabSz="914400" rtl="0" eaLnBrk="1" latinLnBrk="0" hangingPunct="1">
+      <a:defRPr sz="1200" kern="1200">
+        <a:solidFill>
+          <a:schemeClr val="tx1"/>
+        </a:solidFill>
+        <a:latin typeface="+mn-lt"/>
+        <a:ea typeface="+mn-ea"/>
+        <a:cs typeface="+mn-cs"/>
+      </a:defRPr>
+    </a:lvl1pPr>
+    <a:lvl2pPr marL="457200" algn="l" defTabSz="914400" rtl="0" eaLnBrk="1" latinLnBrk="0" hangingPunct="1">
+      <a:defRPr sz="1200" kern="1200">
+        <a:solidFill>
+          <a:schemeClr val="tx1"/>
+        </a:solidFill>
+        <a:latin typeface="+mn-lt"/>
+        <a:ea typeface="+mn-ea"/>
+        <a:cs typeface="+mn-cs"/>
+      </a:defRPr>
+    </a:lvl2pPr>
+    <a:lvl3pPr marL="914400" algn="l" defTabSz="914400" rtl="0" eaLnBrk="1" latinLnBrk="0" hangingPunct="1">
+      <a:defRPr sz="1200" kern="1200">
+        <a:solidFill>
+          <a:schemeClr val="tx1"/>
+        </a:solidFill>
+        <a:latin typeface="+mn-lt"/>
+        <a:ea typeface="+mn-ea"/>
+        <a:cs typeface="+mn-cs"/>
+      </a:defRPr>
+    </a:lvl3pPr>
+    <a:lvl4pPr marL="1371600" algn="l" defTabSz="914400" rtl="0" eaLnBrk="1" latinLnBrk="0" hangingPunct="1">
+      <a:defRPr sz="1200" kern="1200">
+        <a:solidFill>
+          <a:schemeClr val="tx1"/>
+        </a:solidFill>
+        <a:latin typeface="+mn-lt"/>
+        <a:ea typeface="+mn-ea"/>
+        <a:cs typeface="+mn-cs"/>
+      </a:defRPr>
+    </a:lvl4pPr>
+    <a:lvl5pPr marL="1828800" algn="l" defTabSz="914400" rtl="0" eaLnBrk="1" latinLnBrk="0" hangingPunct="1">
+      <a:defRPr sz="1200" kern="1200">
+        <a:solidFill>
+          <a:schemeClr val="tx1"/>
+        </a:solidFill>
+        <a:latin typeface="+mn-lt"/>
+        <a:ea typeface="+mn-ea"/>
+        <a:cs typeface="+mn-cs"/>
+      </a:defRPr>
+    </a:lvl5pPr>
+    <a:lvl6pPr marL="2286000" algn="l" defTabSz="914400" rtl="0" eaLnBrk="1" latinLnBrk="0" hangingPunct="1">
+      <a:defRPr sz="1200" kern="1200">
+        <a:solidFill>
+          <a:schemeClr val="tx1"/>
+        </a:solidFill>
+        <a:latin typeface="+mn-lt"/>
+        <a:ea typeface="+mn-ea"/>
+        <a:cs typeface="+mn-cs"/>
+      </a:defRPr>
+    </a:lvl6pPr>
+    <a:lvl7pPr marL="2743200" algn="l" defTabSz="914400" rtl="0" eaLnBrk="1" latinLnBrk="0" hangingPunct="1">
+      <a:defRPr sz="1200" kern="1200">
+        <a:solidFill>
+          <a:schemeClr val="tx1"/>
+        </a:solidFill>
+        <a:latin typeface="+mn-lt"/>
+        <a:ea typeface="+mn-ea"/>
+        <a:cs typeface="+mn-cs"/>
+      </a:defRPr>
+    </a:lvl7pPr>
+    <a:lvl8pPr marL="3200400" algn="l" defTabSz="914400" rtl="0" eaLnBrk="1" latinLnBrk="0" hangingPunct="1">
+      <a:defRPr sz="1200" kern="1200">
+        <a:solidFill>
+          <a:schemeClr val="tx1"/>
+        </a:solidFill>
+        <a:latin typeface="+mn-lt"/>
+        <a:ea typeface="+mn-ea"/>
+        <a:cs typeface="+mn-cs"/>
+      </a:defRPr>
+    </a:lvl8pPr>
+    <a:lvl9pPr marL="3657600" algn="l" defTabSz="914400" rtl="0" eaLnBrk="1" latinLnBrk="0" hangingPunct="1">
+      <a:defRPr sz="1200" kern="1200">
+        <a:solidFill>
+          <a:schemeClr val="tx1"/>
+        </a:solidFill>
+        <a:latin typeface="+mn-lt"/>
+        <a:ea typeface="+mn-ea"/>
+        <a:cs typeface="+mn-cs"/>
+      </a:defRPr>
+    </a:lvl9pPr>
+  </p:notesStyle>
+</p:notesMaster>
 </file>
 
 <file path=ppt/slideLayouts/slideLayout1.xml><?xml version="1.0" encoding="utf-8"?>
@@ -610,9 +973,9 @@
           <a:bodyPr/>
           <a:lstStyle/>
           <a:p>
-            <a:fld id="{79B5CFDB-6B97-4464-A409-2CAD8AC88859}" type="datetimeFigureOut">
+            <a:fld id="{B1FCB0A1-C157-4E31-9FFD-AB86E5C8ED72}" type="datetime1">
               <a:rPr lang="fi-FI" smtClean="0"/>
-              <a:t>25.4.2016</a:t>
+              <a:t>26.4.2016</a:t>
             </a:fld>
             <a:endParaRPr lang="fi-FI"/>
           </a:p>
@@ -638,6 +1001,10 @@
           <a:bodyPr/>
           <a:lstStyle/>
           <a:p>
+            <a:r>
+              <a:rPr lang="fi-FI" smtClean="0"/>
+              <a:t>Panu Partanen, Sami Pitkänen, Mikko Tiitinen 26.4.2016</a:t>
+            </a:r>
             <a:endParaRPr lang="fi-FI"/>
           </a:p>
         </p:txBody>
@@ -906,9 +1273,9 @@
           <a:bodyPr/>
           <a:lstStyle/>
           <a:p>
-            <a:fld id="{79B5CFDB-6B97-4464-A409-2CAD8AC88859}" type="datetimeFigureOut">
+            <a:fld id="{3B278AE2-D920-4567-8DFA-122CD0FAED84}" type="datetime1">
               <a:rPr lang="fi-FI" smtClean="0"/>
-              <a:t>25.4.2016</a:t>
+              <a:t>26.4.2016</a:t>
             </a:fld>
             <a:endParaRPr lang="fi-FI"/>
           </a:p>
@@ -929,6 +1296,10 @@
           <a:bodyPr/>
           <a:lstStyle/>
           <a:p>
+            <a:r>
+              <a:rPr lang="fi-FI" smtClean="0"/>
+              <a:t>Panu Partanen, Sami Pitkänen, Mikko Tiitinen 26.4.2016</a:t>
+            </a:r>
             <a:endParaRPr lang="fi-FI"/>
           </a:p>
         </p:txBody>
@@ -1154,9 +1525,9 @@
           <a:bodyPr/>
           <a:lstStyle/>
           <a:p>
-            <a:fld id="{79B5CFDB-6B97-4464-A409-2CAD8AC88859}" type="datetimeFigureOut">
+            <a:fld id="{81ABA9B1-E69F-473C-9E60-C796FA8C4779}" type="datetime1">
               <a:rPr lang="fi-FI" smtClean="0"/>
-              <a:t>25.4.2016</a:t>
+              <a:t>26.4.2016</a:t>
             </a:fld>
             <a:endParaRPr lang="fi-FI"/>
           </a:p>
@@ -1177,6 +1548,10 @@
           <a:bodyPr/>
           <a:lstStyle/>
           <a:p>
+            <a:r>
+              <a:rPr lang="fi-FI" smtClean="0"/>
+              <a:t>Panu Partanen, Sami Pitkänen, Mikko Tiitinen 26.4.2016</a:t>
+            </a:r>
             <a:endParaRPr lang="fi-FI"/>
           </a:p>
         </p:txBody>
@@ -1694,9 +2069,9 @@
           <a:bodyPr/>
           <a:lstStyle/>
           <a:p>
-            <a:fld id="{79B5CFDB-6B97-4464-A409-2CAD8AC88859}" type="datetimeFigureOut">
+            <a:fld id="{495ED828-1D36-4C2D-892E-AEE05FEE6550}" type="datetime1">
               <a:rPr lang="fi-FI" smtClean="0"/>
-              <a:t>25.4.2016</a:t>
+              <a:t>26.4.2016</a:t>
             </a:fld>
             <a:endParaRPr lang="fi-FI"/>
           </a:p>
@@ -1717,6 +2092,10 @@
           <a:bodyPr/>
           <a:lstStyle/>
           <a:p>
+            <a:r>
+              <a:rPr lang="fi-FI" smtClean="0"/>
+              <a:t>Panu Partanen, Sami Pitkänen, Mikko Tiitinen 26.4.2016</a:t>
+            </a:r>
             <a:endParaRPr lang="fi-FI"/>
           </a:p>
         </p:txBody>
@@ -1942,9 +2321,9 @@
           <a:bodyPr/>
           <a:lstStyle/>
           <a:p>
-            <a:fld id="{79B5CFDB-6B97-4464-A409-2CAD8AC88859}" type="datetimeFigureOut">
+            <a:fld id="{68FA9E5C-8620-4CD3-BDCC-D4F6C1FEC900}" type="datetime1">
               <a:rPr lang="fi-FI" smtClean="0"/>
-              <a:t>25.4.2016</a:t>
+              <a:t>26.4.2016</a:t>
             </a:fld>
             <a:endParaRPr lang="fi-FI"/>
           </a:p>
@@ -1965,6 +2344,10 @@
           <a:bodyPr/>
           <a:lstStyle/>
           <a:p>
+            <a:r>
+              <a:rPr lang="fi-FI" smtClean="0"/>
+              <a:t>Panu Partanen, Sami Pitkänen, Mikko Tiitinen 26.4.2016</a:t>
+            </a:r>
             <a:endParaRPr lang="fi-FI"/>
           </a:p>
         </p:txBody>
@@ -2474,9 +2857,9 @@
           <a:bodyPr/>
           <a:lstStyle/>
           <a:p>
-            <a:fld id="{79B5CFDB-6B97-4464-A409-2CAD8AC88859}" type="datetimeFigureOut">
+            <a:fld id="{8ACC807E-9C9E-4C46-B715-80B016D949BA}" type="datetime1">
               <a:rPr lang="fi-FI" smtClean="0"/>
-              <a:t>25.4.2016</a:t>
+              <a:t>26.4.2016</a:t>
             </a:fld>
             <a:endParaRPr lang="fi-FI"/>
           </a:p>
@@ -2497,6 +2880,10 @@
           <a:bodyPr/>
           <a:lstStyle/>
           <a:p>
+            <a:r>
+              <a:rPr lang="fi-FI" smtClean="0"/>
+              <a:t>Panu Partanen, Sami Pitkänen, Mikko Tiitinen 26.4.2016</a:t>
+            </a:r>
             <a:endParaRPr lang="fi-FI"/>
           </a:p>
         </p:txBody>
@@ -2771,9 +3158,9 @@
           <a:bodyPr/>
           <a:lstStyle/>
           <a:p>
-            <a:fld id="{79B5CFDB-6B97-4464-A409-2CAD8AC88859}" type="datetimeFigureOut">
+            <a:fld id="{DF5AF75A-DC3E-473A-992B-CDFEC8307924}" type="datetime1">
               <a:rPr lang="fi-FI" smtClean="0"/>
-              <a:t>25.4.2016</a:t>
+              <a:t>26.4.2016</a:t>
             </a:fld>
             <a:endParaRPr lang="fi-FI"/>
           </a:p>
@@ -2794,6 +3181,10 @@
           <a:bodyPr/>
           <a:lstStyle/>
           <a:p>
+            <a:r>
+              <a:rPr lang="fi-FI" smtClean="0"/>
+              <a:t>Panu Partanen, Sami Pitkänen, Mikko Tiitinen 26.4.2016</a:t>
+            </a:r>
             <a:endParaRPr lang="fi-FI"/>
           </a:p>
         </p:txBody>
@@ -2945,9 +3336,9 @@
           <a:bodyPr/>
           <a:lstStyle/>
           <a:p>
-            <a:fld id="{79B5CFDB-6B97-4464-A409-2CAD8AC88859}" type="datetimeFigureOut">
+            <a:fld id="{13369C6C-AEED-42FF-9E7F-9E2395CDD9F9}" type="datetime1">
               <a:rPr lang="fi-FI" smtClean="0"/>
-              <a:t>25.4.2016</a:t>
+              <a:t>26.4.2016</a:t>
             </a:fld>
             <a:endParaRPr lang="fi-FI"/>
           </a:p>
@@ -2968,6 +3359,10 @@
           <a:bodyPr/>
           <a:lstStyle/>
           <a:p>
+            <a:r>
+              <a:rPr lang="fi-FI" smtClean="0"/>
+              <a:t>Panu Partanen, Sami Pitkänen, Mikko Tiitinen 26.4.2016</a:t>
+            </a:r>
             <a:endParaRPr lang="fi-FI"/>
           </a:p>
         </p:txBody>
@@ -3125,9 +3520,9 @@
           <a:bodyPr/>
           <a:lstStyle/>
           <a:p>
-            <a:fld id="{79B5CFDB-6B97-4464-A409-2CAD8AC88859}" type="datetimeFigureOut">
+            <a:fld id="{43401096-BBAC-4F2B-BA36-F8F226E3A595}" type="datetime1">
               <a:rPr lang="fi-FI" smtClean="0"/>
-              <a:t>25.4.2016</a:t>
+              <a:t>26.4.2016</a:t>
             </a:fld>
             <a:endParaRPr lang="fi-FI"/>
           </a:p>
@@ -3148,6 +3543,10 @@
           <a:bodyPr/>
           <a:lstStyle/>
           <a:p>
+            <a:r>
+              <a:rPr lang="fi-FI" smtClean="0"/>
+              <a:t>Panu Partanen, Sami Pitkänen, Mikko Tiitinen 26.4.2016</a:t>
+            </a:r>
             <a:endParaRPr lang="fi-FI"/>
           </a:p>
         </p:txBody>
@@ -3295,9 +3694,9 @@
           <a:bodyPr/>
           <a:lstStyle/>
           <a:p>
-            <a:fld id="{79B5CFDB-6B97-4464-A409-2CAD8AC88859}" type="datetimeFigureOut">
+            <a:fld id="{24C9FF5A-E5C9-41B3-B658-F1B843A254D5}" type="datetime1">
               <a:rPr lang="fi-FI" smtClean="0"/>
-              <a:t>25.4.2016</a:t>
+              <a:t>26.4.2016</a:t>
             </a:fld>
             <a:endParaRPr lang="fi-FI"/>
           </a:p>
@@ -3318,6 +3717,10 @@
           <a:bodyPr/>
           <a:lstStyle/>
           <a:p>
+            <a:r>
+              <a:rPr lang="fi-FI" smtClean="0"/>
+              <a:t>Panu Partanen, Sami Pitkänen, Mikko Tiitinen 26.4.2016</a:t>
+            </a:r>
             <a:endParaRPr lang="fi-FI"/>
           </a:p>
         </p:txBody>
@@ -3546,9 +3949,9 @@
           <a:bodyPr/>
           <a:lstStyle/>
           <a:p>
-            <a:fld id="{79B5CFDB-6B97-4464-A409-2CAD8AC88859}" type="datetimeFigureOut">
+            <a:fld id="{D99C43A2-BAA4-46F5-B0DD-C48739A9ADFA}" type="datetime1">
               <a:rPr lang="fi-FI" smtClean="0"/>
-              <a:t>25.4.2016</a:t>
+              <a:t>26.4.2016</a:t>
             </a:fld>
             <a:endParaRPr lang="fi-FI"/>
           </a:p>
@@ -3569,6 +3972,10 @@
           <a:bodyPr/>
           <a:lstStyle/>
           <a:p>
+            <a:r>
+              <a:rPr lang="fi-FI" smtClean="0"/>
+              <a:t>Panu Partanen, Sami Pitkänen, Mikko Tiitinen 26.4.2016</a:t>
+            </a:r>
             <a:endParaRPr lang="fi-FI"/>
           </a:p>
         </p:txBody>
@@ -3843,9 +4250,9 @@
           <a:bodyPr/>
           <a:lstStyle/>
           <a:p>
-            <a:fld id="{79B5CFDB-6B97-4464-A409-2CAD8AC88859}" type="datetimeFigureOut">
+            <a:fld id="{98259B45-FA2F-47FE-8E1F-E04C08863F93}" type="datetime1">
               <a:rPr lang="fi-FI" smtClean="0"/>
-              <a:t>25.4.2016</a:t>
+              <a:t>26.4.2016</a:t>
             </a:fld>
             <a:endParaRPr lang="fi-FI"/>
           </a:p>
@@ -3866,6 +4273,10 @@
           <a:bodyPr/>
           <a:lstStyle/>
           <a:p>
+            <a:r>
+              <a:rPr lang="fi-FI" smtClean="0"/>
+              <a:t>Panu Partanen, Sami Pitkänen, Mikko Tiitinen 26.4.2016</a:t>
+            </a:r>
             <a:endParaRPr lang="fi-FI"/>
           </a:p>
         </p:txBody>
@@ -4285,9 +4696,9 @@
           <a:bodyPr/>
           <a:lstStyle/>
           <a:p>
-            <a:fld id="{79B5CFDB-6B97-4464-A409-2CAD8AC88859}" type="datetimeFigureOut">
+            <a:fld id="{EEFB8755-D0E0-4102-B699-7DBF1AB23C2F}" type="datetime1">
               <a:rPr lang="fi-FI" smtClean="0"/>
-              <a:t>25.4.2016</a:t>
+              <a:t>26.4.2016</a:t>
             </a:fld>
             <a:endParaRPr lang="fi-FI"/>
           </a:p>
@@ -4308,6 +4719,10 @@
           <a:bodyPr/>
           <a:lstStyle/>
           <a:p>
+            <a:r>
+              <a:rPr lang="fi-FI" smtClean="0"/>
+              <a:t>Panu Partanen, Sami Pitkänen, Mikko Tiitinen 26.4.2016</a:t>
+            </a:r>
             <a:endParaRPr lang="fi-FI"/>
           </a:p>
         </p:txBody>
@@ -4403,9 +4818,9 @@
           <a:bodyPr/>
           <a:lstStyle/>
           <a:p>
-            <a:fld id="{79B5CFDB-6B97-4464-A409-2CAD8AC88859}" type="datetimeFigureOut">
+            <a:fld id="{7B60D485-3D56-4899-81EB-BE120E83D802}" type="datetime1">
               <a:rPr lang="fi-FI" smtClean="0"/>
-              <a:t>25.4.2016</a:t>
+              <a:t>26.4.2016</a:t>
             </a:fld>
             <a:endParaRPr lang="fi-FI"/>
           </a:p>
@@ -4426,6 +4841,10 @@
           <a:bodyPr/>
           <a:lstStyle/>
           <a:p>
+            <a:r>
+              <a:rPr lang="fi-FI" smtClean="0"/>
+              <a:t>Panu Partanen, Sami Pitkänen, Mikko Tiitinen 26.4.2016</a:t>
+            </a:r>
             <a:endParaRPr lang="fi-FI"/>
           </a:p>
         </p:txBody>
@@ -4498,9 +4917,9 @@
           <a:bodyPr/>
           <a:lstStyle/>
           <a:p>
-            <a:fld id="{79B5CFDB-6B97-4464-A409-2CAD8AC88859}" type="datetimeFigureOut">
+            <a:fld id="{4B628D39-9E74-4451-97A3-726776FE4208}" type="datetime1">
               <a:rPr lang="fi-FI" smtClean="0"/>
-              <a:t>25.4.2016</a:t>
+              <a:t>26.4.2016</a:t>
             </a:fld>
             <a:endParaRPr lang="fi-FI"/>
           </a:p>
@@ -4521,6 +4940,10 @@
           <a:bodyPr/>
           <a:lstStyle/>
           <a:p>
+            <a:r>
+              <a:rPr lang="fi-FI" smtClean="0"/>
+              <a:t>Panu Partanen, Sami Pitkänen, Mikko Tiitinen 26.4.2016</a:t>
+            </a:r>
             <a:endParaRPr lang="fi-FI"/>
           </a:p>
         </p:txBody>
@@ -4781,9 +5204,9 @@
           <a:bodyPr/>
           <a:lstStyle/>
           <a:p>
-            <a:fld id="{79B5CFDB-6B97-4464-A409-2CAD8AC88859}" type="datetimeFigureOut">
+            <a:fld id="{9DA67D3B-6F81-47CD-AB23-A2F1DE231E60}" type="datetime1">
               <a:rPr lang="fi-FI" smtClean="0"/>
-              <a:t>25.4.2016</a:t>
+              <a:t>26.4.2016</a:t>
             </a:fld>
             <a:endParaRPr lang="fi-FI"/>
           </a:p>
@@ -4804,6 +5227,10 @@
           <a:bodyPr/>
           <a:lstStyle/>
           <a:p>
+            <a:r>
+              <a:rPr lang="fi-FI" smtClean="0"/>
+              <a:t>Panu Partanen, Sami Pitkänen, Mikko Tiitinen 26.4.2016</a:t>
+            </a:r>
             <a:endParaRPr lang="fi-FI"/>
           </a:p>
         </p:txBody>
@@ -5072,9 +5499,9 @@
           <a:bodyPr/>
           <a:lstStyle/>
           <a:p>
-            <a:fld id="{79B5CFDB-6B97-4464-A409-2CAD8AC88859}" type="datetimeFigureOut">
+            <a:fld id="{4C184C08-435F-4FBB-B76A-D963935136A9}" type="datetime1">
               <a:rPr lang="fi-FI" smtClean="0"/>
-              <a:t>25.4.2016</a:t>
+              <a:t>26.4.2016</a:t>
             </a:fld>
             <a:endParaRPr lang="fi-FI"/>
           </a:p>
@@ -5095,6 +5522,10 @@
           <a:bodyPr/>
           <a:lstStyle/>
           <a:p>
+            <a:r>
+              <a:rPr lang="fi-FI" smtClean="0"/>
+              <a:t>Panu Partanen, Sami Pitkänen, Mikko Tiitinen 26.4.2016</a:t>
+            </a:r>
             <a:endParaRPr lang="fi-FI"/>
           </a:p>
         </p:txBody>
@@ -5602,9 +6033,9 @@
             </a:lvl1pPr>
           </a:lstStyle>
           <a:p>
-            <a:fld id="{79B5CFDB-6B97-4464-A409-2CAD8AC88859}" type="datetimeFigureOut">
+            <a:fld id="{C04E8FBF-7447-45F4-ADF4-AEC2651C5406}" type="datetime1">
               <a:rPr lang="fi-FI" smtClean="0"/>
-              <a:t>25.4.2016</a:t>
+              <a:t>26.4.2016</a:t>
             </a:fld>
             <a:endParaRPr lang="fi-FI"/>
           </a:p>
@@ -5643,6 +6074,10 @@
             </a:lvl1pPr>
           </a:lstStyle>
           <a:p>
+            <a:r>
+              <a:rPr lang="fi-FI" smtClean="0"/>
+              <a:t>Panu Partanen, Sami Pitkänen, Mikko Tiitinen 26.4.2016</a:t>
+            </a:r>
             <a:endParaRPr lang="fi-FI"/>
           </a:p>
         </p:txBody>
@@ -5715,6 +6150,7 @@
     <p:sldLayoutId id="2147483724" r:id="rId16"/>
     <p:sldLayoutId id="2147483725" r:id="rId17"/>
   </p:sldLayoutIdLst>
+  <p:hf sldNum="0" hdr="0" dt="0"/>
   <p:txStyles>
     <p:titleStyle>
       <a:lvl1pPr algn="ctr" defTabSz="457200" rtl="0" eaLnBrk="1" latinLnBrk="0" hangingPunct="1">
@@ -6185,6 +6621,29 @@
           </a:p>
         </p:txBody>
       </p:sp>
+      <p:sp>
+        <p:nvSpPr>
+          <p:cNvPr id="4" name="Footer Placeholder 3"/>
+          <p:cNvSpPr>
+            <a:spLocks noGrp="1"/>
+          </p:cNvSpPr>
+          <p:nvPr>
+            <p:ph type="ftr" sz="quarter" idx="11"/>
+          </p:nvPr>
+        </p:nvSpPr>
+        <p:spPr/>
+        <p:txBody>
+          <a:bodyPr/>
+          <a:lstStyle/>
+          <a:p>
+            <a:r>
+              <a:rPr lang="fi-FI" smtClean="0"/>
+              <a:t>Panu Partanen, Sami Pitkänen, Mikko Tiitinen 26.4.2016</a:t>
+            </a:r>
+            <a:endParaRPr lang="fi-FI"/>
+          </a:p>
+        </p:txBody>
+      </p:sp>
     </p:spTree>
     <p:extLst>
       <p:ext uri="{BB962C8B-B14F-4D97-AF65-F5344CB8AC3E}">
@@ -6195,6 +6654,134 @@
   <p:clrMapOvr>
     <a:masterClrMapping/>
   </p:clrMapOvr>
+  <p:timing>
+    <p:tnLst>
+      <p:par>
+        <p:cTn id="1" dur="indefinite" restart="never" nodeType="tmRoot">
+          <p:childTnLst>
+            <p:seq concurrent="1" nextAc="seek">
+              <p:cTn id="2" dur="indefinite" nodeType="mainSeq">
+                <p:childTnLst>
+                  <p:par>
+                    <p:cTn id="3" fill="hold">
+                      <p:stCondLst>
+                        <p:cond delay="indefinite"/>
+                      </p:stCondLst>
+                      <p:childTnLst>
+                        <p:par>
+                          <p:cTn id="4" fill="hold">
+                            <p:stCondLst>
+                              <p:cond delay="0"/>
+                            </p:stCondLst>
+                            <p:childTnLst>
+                              <p:par>
+                                <p:cTn id="5" presetID="1" presetClass="entr" presetSubtype="0" fill="hold" grpId="0" nodeType="clickEffect">
+                                  <p:stCondLst>
+                                    <p:cond delay="0"/>
+                                  </p:stCondLst>
+                                  <p:childTnLst>
+                                    <p:set>
+                                      <p:cBhvr>
+                                        <p:cTn id="6" dur="1" fill="hold">
+                                          <p:stCondLst>
+                                            <p:cond delay="0"/>
+                                          </p:stCondLst>
+                                        </p:cTn>
+                                        <p:tgtEl>
+                                          <p:spTgt spid="2"/>
+                                        </p:tgtEl>
+                                        <p:attrNameLst>
+                                          <p:attrName>style.visibility</p:attrName>
+                                        </p:attrNameLst>
+                                      </p:cBhvr>
+                                      <p:to>
+                                        <p:strVal val="visible"/>
+                                      </p:to>
+                                    </p:set>
+                                  </p:childTnLst>
+                                </p:cTn>
+                              </p:par>
+                            </p:childTnLst>
+                          </p:cTn>
+                        </p:par>
+                      </p:childTnLst>
+                    </p:cTn>
+                  </p:par>
+                  <p:par>
+                    <p:cTn id="7" fill="hold">
+                      <p:stCondLst>
+                        <p:cond delay="indefinite"/>
+                      </p:stCondLst>
+                      <p:childTnLst>
+                        <p:par>
+                          <p:cTn id="8" fill="hold">
+                            <p:stCondLst>
+                              <p:cond delay="0"/>
+                            </p:stCondLst>
+                            <p:childTnLst>
+                              <p:par>
+                                <p:cTn id="9" presetID="1" presetClass="entr" presetSubtype="0" fill="hold" grpId="0" nodeType="clickEffect">
+                                  <p:stCondLst>
+                                    <p:cond delay="0"/>
+                                  </p:stCondLst>
+                                  <p:childTnLst>
+                                    <p:set>
+                                      <p:cBhvr>
+                                        <p:cTn id="10" dur="1" fill="hold">
+                                          <p:stCondLst>
+                                            <p:cond delay="0"/>
+                                          </p:stCondLst>
+                                        </p:cTn>
+                                        <p:tgtEl>
+                                          <p:spTgt spid="3">
+                                            <p:txEl>
+                                              <p:pRg st="0" end="0"/>
+                                            </p:txEl>
+                                          </p:spTgt>
+                                        </p:tgtEl>
+                                        <p:attrNameLst>
+                                          <p:attrName>style.visibility</p:attrName>
+                                        </p:attrNameLst>
+                                      </p:cBhvr>
+                                      <p:to>
+                                        <p:strVal val="visible"/>
+                                      </p:to>
+                                    </p:set>
+                                  </p:childTnLst>
+                                </p:cTn>
+                              </p:par>
+                            </p:childTnLst>
+                          </p:cTn>
+                        </p:par>
+                      </p:childTnLst>
+                    </p:cTn>
+                  </p:par>
+                </p:childTnLst>
+              </p:cTn>
+              <p:prevCondLst>
+                <p:cond evt="onPrev" delay="0">
+                  <p:tgtEl>
+                    <p:sldTgt/>
+                  </p:tgtEl>
+                </p:cond>
+              </p:prevCondLst>
+              <p:nextCondLst>
+                <p:cond evt="onNext" delay="0">
+                  <p:tgtEl>
+                    <p:sldTgt/>
+                  </p:tgtEl>
+                </p:cond>
+              </p:nextCondLst>
+            </p:seq>
+          </p:childTnLst>
+        </p:cTn>
+      </p:par>
+    </p:tnLst>
+    <p:bldLst>
+      <p:bldP spid="2" grpId="0"/>
+      <p:bldP spid="3" grpId="0" build="p"/>
+    </p:bldLst>
+  </p:timing>
 </p:sld>
 </file>
 
@@ -6328,6 +6915,29 @@
           </a:p>
         </p:txBody>
       </p:sp>
+      <p:sp>
+        <p:nvSpPr>
+          <p:cNvPr id="2" name="Footer Placeholder 1"/>
+          <p:cNvSpPr>
+            <a:spLocks noGrp="1"/>
+          </p:cNvSpPr>
+          <p:nvPr>
+            <p:ph type="ftr" sz="quarter" idx="11"/>
+          </p:nvPr>
+        </p:nvSpPr>
+        <p:spPr/>
+        <p:txBody>
+          <a:bodyPr/>
+          <a:lstStyle/>
+          <a:p>
+            <a:r>
+              <a:rPr lang="fi-FI" smtClean="0"/>
+              <a:t>Panu Partanen, Sami Pitkänen, Mikko Tiitinen 26.4.2016</a:t>
+            </a:r>
+            <a:endParaRPr lang="fi-FI"/>
+          </a:p>
+        </p:txBody>
+      </p:sp>
     </p:spTree>
     <p:extLst>
       <p:ext uri="{BB962C8B-B14F-4D97-AF65-F5344CB8AC3E}">
@@ -6338,6 +6948,238 @@
   <p:clrMapOvr>
     <a:masterClrMapping/>
   </p:clrMapOvr>
+  <p:timing>
+    <p:tnLst>
+      <p:par>
+        <p:cTn id="1" dur="indefinite" restart="never" nodeType="tmRoot">
+          <p:childTnLst>
+            <p:seq concurrent="1" nextAc="seek">
+              <p:cTn id="2" dur="indefinite" nodeType="mainSeq">
+                <p:childTnLst>
+                  <p:par>
+                    <p:cTn id="3" fill="hold">
+                      <p:stCondLst>
+                        <p:cond delay="indefinite"/>
+                      </p:stCondLst>
+                      <p:childTnLst>
+                        <p:par>
+                          <p:cTn id="4" fill="hold">
+                            <p:stCondLst>
+                              <p:cond delay="0"/>
+                            </p:stCondLst>
+                            <p:childTnLst>
+                              <p:par>
+                                <p:cTn id="5" presetID="1" presetClass="entr" presetSubtype="0" fill="hold" grpId="0" nodeType="clickEffect">
+                                  <p:stCondLst>
+                                    <p:cond delay="0"/>
+                                  </p:stCondLst>
+                                  <p:childTnLst>
+                                    <p:set>
+                                      <p:cBhvr>
+                                        <p:cTn id="6" dur="1" fill="hold">
+                                          <p:stCondLst>
+                                            <p:cond delay="0"/>
+                                          </p:stCondLst>
+                                        </p:cTn>
+                                        <p:tgtEl>
+                                          <p:spTgt spid="3">
+                                            <p:txEl>
+                                              <p:pRg st="0" end="0"/>
+                                            </p:txEl>
+                                          </p:spTgt>
+                                        </p:tgtEl>
+                                        <p:attrNameLst>
+                                          <p:attrName>style.visibility</p:attrName>
+                                        </p:attrNameLst>
+                                      </p:cBhvr>
+                                      <p:to>
+                                        <p:strVal val="visible"/>
+                                      </p:to>
+                                    </p:set>
+                                  </p:childTnLst>
+                                </p:cTn>
+                              </p:par>
+                            </p:childTnLst>
+                          </p:cTn>
+                        </p:par>
+                      </p:childTnLst>
+                    </p:cTn>
+                  </p:par>
+                  <p:par>
+                    <p:cTn id="7" fill="hold">
+                      <p:stCondLst>
+                        <p:cond delay="indefinite"/>
+                      </p:stCondLst>
+                      <p:childTnLst>
+                        <p:par>
+                          <p:cTn id="8" fill="hold">
+                            <p:stCondLst>
+                              <p:cond delay="0"/>
+                            </p:stCondLst>
+                            <p:childTnLst>
+                              <p:par>
+                                <p:cTn id="9" presetID="1" presetClass="entr" presetSubtype="0" fill="hold" grpId="0" nodeType="clickEffect">
+                                  <p:stCondLst>
+                                    <p:cond delay="0"/>
+                                  </p:stCondLst>
+                                  <p:childTnLst>
+                                    <p:set>
+                                      <p:cBhvr>
+                                        <p:cTn id="10" dur="1" fill="hold">
+                                          <p:stCondLst>
+                                            <p:cond delay="0"/>
+                                          </p:stCondLst>
+                                        </p:cTn>
+                                        <p:tgtEl>
+                                          <p:spTgt spid="4">
+                                            <p:txEl>
+                                              <p:pRg st="0" end="0"/>
+                                            </p:txEl>
+                                          </p:spTgt>
+                                        </p:tgtEl>
+                                        <p:attrNameLst>
+                                          <p:attrName>style.visibility</p:attrName>
+                                        </p:attrNameLst>
+                                      </p:cBhvr>
+                                      <p:to>
+                                        <p:strVal val="visible"/>
+                                      </p:to>
+                                    </p:set>
+                                  </p:childTnLst>
+                                </p:cTn>
+                              </p:par>
+                            </p:childTnLst>
+                          </p:cTn>
+                        </p:par>
+                      </p:childTnLst>
+                    </p:cTn>
+                  </p:par>
+                  <p:par>
+                    <p:cTn id="11" fill="hold">
+                      <p:stCondLst>
+                        <p:cond delay="indefinite"/>
+                      </p:stCondLst>
+                      <p:childTnLst>
+                        <p:par>
+                          <p:cTn id="12" fill="hold">
+                            <p:stCondLst>
+                              <p:cond delay="0"/>
+                            </p:stCondLst>
+                            <p:childTnLst>
+                              <p:par>
+                                <p:cTn id="13" presetID="1" presetClass="entr" presetSubtype="0" fill="hold" grpId="0" nodeType="clickEffect">
+                                  <p:stCondLst>
+                                    <p:cond delay="0"/>
+                                  </p:stCondLst>
+                                  <p:childTnLst>
+                                    <p:set>
+                                      <p:cBhvr>
+                                        <p:cTn id="14" dur="1" fill="hold">
+                                          <p:stCondLst>
+                                            <p:cond delay="0"/>
+                                          </p:stCondLst>
+                                        </p:cTn>
+                                        <p:tgtEl>
+                                          <p:spTgt spid="5">
+                                            <p:txEl>
+                                              <p:pRg st="0" end="0"/>
+                                            </p:txEl>
+                                          </p:spTgt>
+                                        </p:tgtEl>
+                                        <p:attrNameLst>
+                                          <p:attrName>style.visibility</p:attrName>
+                                        </p:attrNameLst>
+                                      </p:cBhvr>
+                                      <p:to>
+                                        <p:strVal val="visible"/>
+                                      </p:to>
+                                    </p:set>
+                                  </p:childTnLst>
+                                </p:cTn>
+                              </p:par>
+                            </p:childTnLst>
+                          </p:cTn>
+                        </p:par>
+                      </p:childTnLst>
+                    </p:cTn>
+                  </p:par>
+                  <p:par>
+                    <p:cTn id="15" fill="hold">
+                      <p:stCondLst>
+                        <p:cond delay="indefinite"/>
+                      </p:stCondLst>
+                      <p:childTnLst>
+                        <p:par>
+                          <p:cTn id="16" fill="hold">
+                            <p:stCondLst>
+                              <p:cond delay="0"/>
+                            </p:stCondLst>
+                            <p:childTnLst>
+                              <p:par>
+                                <p:cTn id="17" presetID="1" presetClass="entr" presetSubtype="0" fill="hold" grpId="0" nodeType="clickEffect">
+                                  <p:stCondLst>
+                                    <p:cond delay="0"/>
+                                  </p:stCondLst>
+                                  <p:childTnLst>
+                                    <p:set>
+                                      <p:cBhvr>
+                                        <p:cTn id="18" dur="1" fill="hold">
+                                          <p:stCondLst>
+                                            <p:cond delay="0"/>
+                                          </p:stCondLst>
+                                        </p:cTn>
+                                        <p:tgtEl>
+                                          <p:spTgt spid="6">
+                                            <p:txEl>
+                                              <p:pRg st="0" end="0"/>
+                                            </p:txEl>
+                                          </p:spTgt>
+                                        </p:tgtEl>
+                                        <p:attrNameLst>
+                                          <p:attrName>style.visibility</p:attrName>
+                                        </p:attrNameLst>
+                                      </p:cBhvr>
+                                      <p:to>
+                                        <p:strVal val="visible"/>
+                                      </p:to>
+                                    </p:set>
+                                  </p:childTnLst>
+                                </p:cTn>
+                              </p:par>
+                            </p:childTnLst>
+                          </p:cTn>
+                        </p:par>
+                      </p:childTnLst>
+                    </p:cTn>
+                  </p:par>
+                </p:childTnLst>
+              </p:cTn>
+              <p:prevCondLst>
+                <p:cond evt="onPrev" delay="0">
+                  <p:tgtEl>
+                    <p:sldTgt/>
+                  </p:tgtEl>
+                </p:cond>
+              </p:prevCondLst>
+              <p:nextCondLst>
+                <p:cond evt="onNext" delay="0">
+                  <p:tgtEl>
+                    <p:sldTgt/>
+                  </p:tgtEl>
+                </p:cond>
+              </p:nextCondLst>
+            </p:seq>
+          </p:childTnLst>
+        </p:cTn>
+      </p:par>
+    </p:tnLst>
+    <p:bldLst>
+      <p:bldP spid="3" grpId="0" build="p"/>
+      <p:bldP spid="4" grpId="0" build="p"/>
+      <p:bldP spid="5" grpId="0" build="p"/>
+      <p:bldP spid="6" grpId="0" build="p"/>
+    </p:bldLst>
+  </p:timing>
 </p:sld>
 </file>
 
@@ -6444,6 +7286,29 @@
           </a:p>
         </p:txBody>
       </p:sp>
+      <p:sp>
+        <p:nvSpPr>
+          <p:cNvPr id="4" name="Footer Placeholder 3"/>
+          <p:cNvSpPr>
+            <a:spLocks noGrp="1"/>
+          </p:cNvSpPr>
+          <p:nvPr>
+            <p:ph type="ftr" sz="quarter" idx="11"/>
+          </p:nvPr>
+        </p:nvSpPr>
+        <p:spPr/>
+        <p:txBody>
+          <a:bodyPr/>
+          <a:lstStyle/>
+          <a:p>
+            <a:r>
+              <a:rPr lang="fi-FI" smtClean="0"/>
+              <a:t>Panu Partanen, Sami Pitkänen, Mikko Tiitinen 26.4.2016</a:t>
+            </a:r>
+            <a:endParaRPr lang="fi-FI"/>
+          </a:p>
+        </p:txBody>
+      </p:sp>
     </p:spTree>
     <p:extLst>
       <p:ext uri="{BB962C8B-B14F-4D97-AF65-F5344CB8AC3E}">
@@ -6454,6 +7319,427 @@
   <p:clrMapOvr>
     <a:masterClrMapping/>
   </p:clrMapOvr>
+  <p:timing>
+    <p:tnLst>
+      <p:par>
+        <p:cTn id="1" dur="indefinite" restart="never" nodeType="tmRoot">
+          <p:childTnLst>
+            <p:seq concurrent="1" nextAc="seek">
+              <p:cTn id="2" dur="indefinite" nodeType="mainSeq">
+                <p:childTnLst>
+                  <p:par>
+                    <p:cTn id="3" fill="hold">
+                      <p:stCondLst>
+                        <p:cond delay="indefinite"/>
+                      </p:stCondLst>
+                      <p:childTnLst>
+                        <p:par>
+                          <p:cTn id="4" fill="hold">
+                            <p:stCondLst>
+                              <p:cond delay="0"/>
+                            </p:stCondLst>
+                            <p:childTnLst>
+                              <p:par>
+                                <p:cTn id="5" presetID="1" presetClass="entr" presetSubtype="0" fill="hold" grpId="0" nodeType="clickEffect">
+                                  <p:stCondLst>
+                                    <p:cond delay="0"/>
+                                  </p:stCondLst>
+                                  <p:childTnLst>
+                                    <p:set>
+                                      <p:cBhvr>
+                                        <p:cTn id="6" dur="1" fill="hold">
+                                          <p:stCondLst>
+                                            <p:cond delay="0"/>
+                                          </p:stCondLst>
+                                        </p:cTn>
+                                        <p:tgtEl>
+                                          <p:spTgt spid="2"/>
+                                        </p:tgtEl>
+                                        <p:attrNameLst>
+                                          <p:attrName>style.visibility</p:attrName>
+                                        </p:attrNameLst>
+                                      </p:cBhvr>
+                                      <p:to>
+                                        <p:strVal val="visible"/>
+                                      </p:to>
+                                    </p:set>
+                                  </p:childTnLst>
+                                </p:cTn>
+                              </p:par>
+                            </p:childTnLst>
+                          </p:cTn>
+                        </p:par>
+                      </p:childTnLst>
+                    </p:cTn>
+                  </p:par>
+                  <p:par>
+                    <p:cTn id="7" fill="hold">
+                      <p:stCondLst>
+                        <p:cond delay="indefinite"/>
+                      </p:stCondLst>
+                      <p:childTnLst>
+                        <p:par>
+                          <p:cTn id="8" fill="hold">
+                            <p:stCondLst>
+                              <p:cond delay="0"/>
+                            </p:stCondLst>
+                            <p:childTnLst>
+                              <p:par>
+                                <p:cTn id="9" presetID="1" presetClass="entr" presetSubtype="0" fill="hold" nodeType="clickEffect">
+                                  <p:stCondLst>
+                                    <p:cond delay="0"/>
+                                  </p:stCondLst>
+                                  <p:childTnLst>
+                                    <p:set>
+                                      <p:cBhvr>
+                                        <p:cTn id="10" dur="1" fill="hold">
+                                          <p:stCondLst>
+                                            <p:cond delay="0"/>
+                                          </p:stCondLst>
+                                        </p:cTn>
+                                        <p:tgtEl>
+                                          <p:spTgt spid="3">
+                                            <p:txEl>
+                                              <p:pRg st="0" end="0"/>
+                                            </p:txEl>
+                                          </p:spTgt>
+                                        </p:tgtEl>
+                                        <p:attrNameLst>
+                                          <p:attrName>style.visibility</p:attrName>
+                                        </p:attrNameLst>
+                                      </p:cBhvr>
+                                      <p:to>
+                                        <p:strVal val="visible"/>
+                                      </p:to>
+                                    </p:set>
+                                  </p:childTnLst>
+                                </p:cTn>
+                              </p:par>
+                            </p:childTnLst>
+                          </p:cTn>
+                        </p:par>
+                      </p:childTnLst>
+                    </p:cTn>
+                  </p:par>
+                  <p:par>
+                    <p:cTn id="11" fill="hold">
+                      <p:stCondLst>
+                        <p:cond delay="indefinite"/>
+                      </p:stCondLst>
+                      <p:childTnLst>
+                        <p:par>
+                          <p:cTn id="12" fill="hold">
+                            <p:stCondLst>
+                              <p:cond delay="0"/>
+                            </p:stCondLst>
+                            <p:childTnLst>
+                              <p:par>
+                                <p:cTn id="13" presetID="1" presetClass="entr" presetSubtype="0" fill="hold" nodeType="clickEffect">
+                                  <p:stCondLst>
+                                    <p:cond delay="0"/>
+                                  </p:stCondLst>
+                                  <p:childTnLst>
+                                    <p:set>
+                                      <p:cBhvr>
+                                        <p:cTn id="14" dur="1" fill="hold">
+                                          <p:stCondLst>
+                                            <p:cond delay="0"/>
+                                          </p:stCondLst>
+                                        </p:cTn>
+                                        <p:tgtEl>
+                                          <p:spTgt spid="3">
+                                            <p:txEl>
+                                              <p:pRg st="1" end="1"/>
+                                            </p:txEl>
+                                          </p:spTgt>
+                                        </p:tgtEl>
+                                        <p:attrNameLst>
+                                          <p:attrName>style.visibility</p:attrName>
+                                        </p:attrNameLst>
+                                      </p:cBhvr>
+                                      <p:to>
+                                        <p:strVal val="visible"/>
+                                      </p:to>
+                                    </p:set>
+                                  </p:childTnLst>
+                                </p:cTn>
+                              </p:par>
+                            </p:childTnLst>
+                          </p:cTn>
+                        </p:par>
+                      </p:childTnLst>
+                    </p:cTn>
+                  </p:par>
+                  <p:par>
+                    <p:cTn id="15" fill="hold">
+                      <p:stCondLst>
+                        <p:cond delay="indefinite"/>
+                      </p:stCondLst>
+                      <p:childTnLst>
+                        <p:par>
+                          <p:cTn id="16" fill="hold">
+                            <p:stCondLst>
+                              <p:cond delay="0"/>
+                            </p:stCondLst>
+                            <p:childTnLst>
+                              <p:par>
+                                <p:cTn id="17" presetID="1" presetClass="entr" presetSubtype="0" fill="hold" nodeType="clickEffect">
+                                  <p:stCondLst>
+                                    <p:cond delay="0"/>
+                                  </p:stCondLst>
+                                  <p:childTnLst>
+                                    <p:set>
+                                      <p:cBhvr>
+                                        <p:cTn id="18" dur="1" fill="hold">
+                                          <p:stCondLst>
+                                            <p:cond delay="0"/>
+                                          </p:stCondLst>
+                                        </p:cTn>
+                                        <p:tgtEl>
+                                          <p:spTgt spid="3">
+                                            <p:txEl>
+                                              <p:pRg st="2" end="2"/>
+                                            </p:txEl>
+                                          </p:spTgt>
+                                        </p:tgtEl>
+                                        <p:attrNameLst>
+                                          <p:attrName>style.visibility</p:attrName>
+                                        </p:attrNameLst>
+                                      </p:cBhvr>
+                                      <p:to>
+                                        <p:strVal val="visible"/>
+                                      </p:to>
+                                    </p:set>
+                                  </p:childTnLst>
+                                </p:cTn>
+                              </p:par>
+                            </p:childTnLst>
+                          </p:cTn>
+                        </p:par>
+                      </p:childTnLst>
+                    </p:cTn>
+                  </p:par>
+                  <p:par>
+                    <p:cTn id="19" fill="hold">
+                      <p:stCondLst>
+                        <p:cond delay="indefinite"/>
+                      </p:stCondLst>
+                      <p:childTnLst>
+                        <p:par>
+                          <p:cTn id="20" fill="hold">
+                            <p:stCondLst>
+                              <p:cond delay="0"/>
+                            </p:stCondLst>
+                            <p:childTnLst>
+                              <p:par>
+                                <p:cTn id="21" presetID="1" presetClass="entr" presetSubtype="0" fill="hold" nodeType="clickEffect">
+                                  <p:stCondLst>
+                                    <p:cond delay="0"/>
+                                  </p:stCondLst>
+                                  <p:childTnLst>
+                                    <p:set>
+                                      <p:cBhvr>
+                                        <p:cTn id="22" dur="1" fill="hold">
+                                          <p:stCondLst>
+                                            <p:cond delay="0"/>
+                                          </p:stCondLst>
+                                        </p:cTn>
+                                        <p:tgtEl>
+                                          <p:spTgt spid="3">
+                                            <p:txEl>
+                                              <p:pRg st="3" end="3"/>
+                                            </p:txEl>
+                                          </p:spTgt>
+                                        </p:tgtEl>
+                                        <p:attrNameLst>
+                                          <p:attrName>style.visibility</p:attrName>
+                                        </p:attrNameLst>
+                                      </p:cBhvr>
+                                      <p:to>
+                                        <p:strVal val="visible"/>
+                                      </p:to>
+                                    </p:set>
+                                  </p:childTnLst>
+                                </p:cTn>
+                              </p:par>
+                            </p:childTnLst>
+                          </p:cTn>
+                        </p:par>
+                      </p:childTnLst>
+                    </p:cTn>
+                  </p:par>
+                  <p:par>
+                    <p:cTn id="23" fill="hold">
+                      <p:stCondLst>
+                        <p:cond delay="indefinite"/>
+                      </p:stCondLst>
+                      <p:childTnLst>
+                        <p:par>
+                          <p:cTn id="24" fill="hold">
+                            <p:stCondLst>
+                              <p:cond delay="0"/>
+                            </p:stCondLst>
+                            <p:childTnLst>
+                              <p:par>
+                                <p:cTn id="25" presetID="1" presetClass="entr" presetSubtype="0" fill="hold" nodeType="clickEffect">
+                                  <p:stCondLst>
+                                    <p:cond delay="0"/>
+                                  </p:stCondLst>
+                                  <p:childTnLst>
+                                    <p:set>
+                                      <p:cBhvr>
+                                        <p:cTn id="26" dur="1" fill="hold">
+                                          <p:stCondLst>
+                                            <p:cond delay="0"/>
+                                          </p:stCondLst>
+                                        </p:cTn>
+                                        <p:tgtEl>
+                                          <p:spTgt spid="3">
+                                            <p:txEl>
+                                              <p:pRg st="4" end="4"/>
+                                            </p:txEl>
+                                          </p:spTgt>
+                                        </p:tgtEl>
+                                        <p:attrNameLst>
+                                          <p:attrName>style.visibility</p:attrName>
+                                        </p:attrNameLst>
+                                      </p:cBhvr>
+                                      <p:to>
+                                        <p:strVal val="visible"/>
+                                      </p:to>
+                                    </p:set>
+                                  </p:childTnLst>
+                                </p:cTn>
+                              </p:par>
+                            </p:childTnLst>
+                          </p:cTn>
+                        </p:par>
+                      </p:childTnLst>
+                    </p:cTn>
+                  </p:par>
+                  <p:par>
+                    <p:cTn id="27" fill="hold">
+                      <p:stCondLst>
+                        <p:cond delay="indefinite"/>
+                      </p:stCondLst>
+                      <p:childTnLst>
+                        <p:par>
+                          <p:cTn id="28" fill="hold">
+                            <p:stCondLst>
+                              <p:cond delay="0"/>
+                            </p:stCondLst>
+                            <p:childTnLst>
+                              <p:par>
+                                <p:cTn id="29" presetID="1" presetClass="entr" presetSubtype="0" fill="hold" nodeType="clickEffect">
+                                  <p:stCondLst>
+                                    <p:cond delay="0"/>
+                                  </p:stCondLst>
+                                  <p:childTnLst>
+                                    <p:set>
+                                      <p:cBhvr>
+                                        <p:cTn id="30" dur="1" fill="hold">
+                                          <p:stCondLst>
+                                            <p:cond delay="0"/>
+                                          </p:stCondLst>
+                                        </p:cTn>
+                                        <p:tgtEl>
+                                          <p:spTgt spid="3">
+                                            <p:txEl>
+                                              <p:pRg st="5" end="5"/>
+                                            </p:txEl>
+                                          </p:spTgt>
+                                        </p:tgtEl>
+                                        <p:attrNameLst>
+                                          <p:attrName>style.visibility</p:attrName>
+                                        </p:attrNameLst>
+                                      </p:cBhvr>
+                                      <p:to>
+                                        <p:strVal val="visible"/>
+                                      </p:to>
+                                    </p:set>
+                                  </p:childTnLst>
+                                </p:cTn>
+                              </p:par>
+                            </p:childTnLst>
+                          </p:cTn>
+                        </p:par>
+                      </p:childTnLst>
+                    </p:cTn>
+                  </p:par>
+                  <p:par>
+                    <p:cTn id="31" fill="hold">
+                      <p:stCondLst>
+                        <p:cond delay="indefinite"/>
+                      </p:stCondLst>
+                      <p:childTnLst>
+                        <p:par>
+                          <p:cTn id="32" fill="hold">
+                            <p:stCondLst>
+                              <p:cond delay="0"/>
+                            </p:stCondLst>
+                            <p:childTnLst>
+                              <p:par>
+                                <p:cTn id="33" presetID="1" presetClass="entr" presetSubtype="0" fill="hold" nodeType="clickEffect">
+                                  <p:stCondLst>
+                                    <p:cond delay="0"/>
+                                  </p:stCondLst>
+                                  <p:childTnLst>
+                                    <p:set>
+                                      <p:cBhvr>
+                                        <p:cTn id="34" dur="1" fill="hold">
+                                          <p:stCondLst>
+                                            <p:cond delay="0"/>
+                                          </p:stCondLst>
+                                        </p:cTn>
+                                        <p:tgtEl>
+                                          <p:spTgt spid="3">
+                                            <p:txEl>
+                                              <p:pRg st="6" end="6"/>
+                                            </p:txEl>
+                                          </p:spTgt>
+                                        </p:tgtEl>
+                                        <p:attrNameLst>
+                                          <p:attrName>style.visibility</p:attrName>
+                                        </p:attrNameLst>
+                                      </p:cBhvr>
+                                      <p:to>
+                                        <p:strVal val="visible"/>
+                                      </p:to>
+                                    </p:set>
+                                  </p:childTnLst>
+                                </p:cTn>
+                              </p:par>
+                            </p:childTnLst>
+                          </p:cTn>
+                        </p:par>
+                      </p:childTnLst>
+                    </p:cTn>
+                  </p:par>
+                </p:childTnLst>
+              </p:cTn>
+              <p:prevCondLst>
+                <p:cond evt="onPrev" delay="0">
+                  <p:tgtEl>
+                    <p:sldTgt/>
+                  </p:tgtEl>
+                </p:cond>
+              </p:prevCondLst>
+              <p:nextCondLst>
+                <p:cond evt="onNext" delay="0">
+                  <p:tgtEl>
+                    <p:sldTgt/>
+                  </p:tgtEl>
+                </p:cond>
+              </p:nextCondLst>
+            </p:seq>
+          </p:childTnLst>
+        </p:cTn>
+      </p:par>
+    </p:tnLst>
+    <p:bldLst>
+      <p:bldP spid="2" grpId="0"/>
+    </p:bldLst>
+  </p:timing>
 </p:sld>
 </file>
 
@@ -6560,7 +7846,7 @@
         </p:nvSpPr>
         <p:spPr>
           <a:xfrm>
-            <a:off x="4718718" y="5931334"/>
+            <a:off x="4650831" y="5622456"/>
             <a:ext cx="2058578" cy="402974"/>
           </a:xfrm>
           <a:prstGeom prst="rect">
@@ -6915,6 +8201,34 @@
           </a:extLst>
         </p:spPr>
       </p:pic>
+      <p:sp>
+        <p:nvSpPr>
+          <p:cNvPr id="2" name="Footer Placeholder 1"/>
+          <p:cNvSpPr>
+            <a:spLocks noGrp="1"/>
+          </p:cNvSpPr>
+          <p:nvPr>
+            <p:ph type="ftr" sz="quarter" idx="11"/>
+          </p:nvPr>
+        </p:nvSpPr>
+        <p:spPr>
+          <a:xfrm>
+            <a:off x="2496474" y="6311705"/>
+            <a:ext cx="7084177" cy="365125"/>
+          </a:xfrm>
+        </p:spPr>
+        <p:txBody>
+          <a:bodyPr/>
+          <a:lstStyle/>
+          <a:p>
+            <a:r>
+              <a:rPr lang="fi-FI" dirty="0" smtClean="0"/>
+              <a:t>Panu Partanen, Sami Pitkänen, Mikko Tiitinen 26.4.2016</a:t>
+            </a:r>
+            <a:endParaRPr lang="fi-FI" dirty="0"/>
+          </a:p>
+        </p:txBody>
+      </p:sp>
     </p:spTree>
     <p:extLst>
       <p:ext uri="{BB962C8B-B14F-4D97-AF65-F5344CB8AC3E}">
@@ -6925,6 +8239,1021 @@
   <p:clrMapOvr>
     <a:masterClrMapping/>
   </p:clrMapOvr>
+  <p:timing>
+    <p:tnLst>
+      <p:par>
+        <p:cTn id="1" dur="indefinite" restart="never" nodeType="tmRoot"/>
+      </p:par>
+    </p:tnLst>
+  </p:timing>
+</p:sld>
+</file>
+
+<file path=ppt/slides/slide5.xml><?xml version="1.0" encoding="utf-8"?>
+<p:sld xmlns:a="http://schemas.openxmlformats.org/drawingml/2006/main" xmlns:r="http://schemas.openxmlformats.org/officeDocument/2006/relationships" xmlns:p="http://schemas.openxmlformats.org/presentationml/2006/main">
+  <p:cSld>
+    <p:spTree>
+      <p:nvGrpSpPr>
+        <p:cNvPr id="1" name=""/>
+        <p:cNvGrpSpPr/>
+        <p:nvPr/>
+      </p:nvGrpSpPr>
+      <p:grpSpPr>
+        <a:xfrm>
+          <a:off x="0" y="0"/>
+          <a:ext cx="0" cy="0"/>
+          <a:chOff x="0" y="0"/>
+          <a:chExt cx="0" cy="0"/>
+        </a:xfrm>
+      </p:grpSpPr>
+      <p:pic>
+        <p:nvPicPr>
+          <p:cNvPr id="13" name="Picture 12"/>
+          <p:cNvPicPr/>
+          <p:nvPr/>
+        </p:nvPicPr>
+        <p:blipFill>
+          <a:blip r:embed="rId2"/>
+          <a:stretch>
+            <a:fillRect/>
+          </a:stretch>
+        </p:blipFill>
+        <p:spPr>
+          <a:xfrm>
+            <a:off x="528783" y="120015"/>
+            <a:ext cx="2123440" cy="3874770"/>
+          </a:xfrm>
+          <a:prstGeom prst="rect">
+            <a:avLst/>
+          </a:prstGeom>
+        </p:spPr>
+      </p:pic>
+      <p:pic>
+        <p:nvPicPr>
+          <p:cNvPr id="14" name="Picture 13"/>
+          <p:cNvPicPr/>
+          <p:nvPr/>
+        </p:nvPicPr>
+        <p:blipFill>
+          <a:blip r:embed="rId3"/>
+          <a:stretch>
+            <a:fillRect/>
+          </a:stretch>
+        </p:blipFill>
+        <p:spPr>
+          <a:xfrm>
+            <a:off x="2791260" y="103505"/>
+            <a:ext cx="1983105" cy="3886200"/>
+          </a:xfrm>
+          <a:prstGeom prst="rect">
+            <a:avLst/>
+          </a:prstGeom>
+        </p:spPr>
+      </p:pic>
+      <p:pic>
+        <p:nvPicPr>
+          <p:cNvPr id="15" name="Picture 14"/>
+          <p:cNvPicPr/>
+          <p:nvPr/>
+        </p:nvPicPr>
+        <p:blipFill>
+          <a:blip r:embed="rId4"/>
+          <a:stretch>
+            <a:fillRect/>
+          </a:stretch>
+        </p:blipFill>
+        <p:spPr>
+          <a:xfrm>
+            <a:off x="7671751" y="120015"/>
+            <a:ext cx="2132330" cy="3869690"/>
+          </a:xfrm>
+          <a:prstGeom prst="rect">
+            <a:avLst/>
+          </a:prstGeom>
+        </p:spPr>
+      </p:pic>
+      <p:pic>
+        <p:nvPicPr>
+          <p:cNvPr id="16" name="Picture 15"/>
+          <p:cNvPicPr/>
+          <p:nvPr/>
+        </p:nvPicPr>
+        <p:blipFill>
+          <a:blip r:embed="rId5"/>
+          <a:stretch>
+            <a:fillRect/>
+          </a:stretch>
+        </p:blipFill>
+        <p:spPr>
+          <a:xfrm>
+            <a:off x="9943118" y="123190"/>
+            <a:ext cx="2107565" cy="3866515"/>
+          </a:xfrm>
+          <a:prstGeom prst="rect">
+            <a:avLst/>
+          </a:prstGeom>
+        </p:spPr>
+      </p:pic>
+      <p:pic>
+        <p:nvPicPr>
+          <p:cNvPr id="17" name="Picture 16"/>
+          <p:cNvPicPr/>
+          <p:nvPr/>
+        </p:nvPicPr>
+        <p:blipFill>
+          <a:blip r:embed="rId6"/>
+          <a:stretch>
+            <a:fillRect/>
+          </a:stretch>
+        </p:blipFill>
+        <p:spPr>
+          <a:xfrm>
+            <a:off x="5156258" y="1736955"/>
+            <a:ext cx="2133600" cy="4159885"/>
+          </a:xfrm>
+          <a:prstGeom prst="rect">
+            <a:avLst/>
+          </a:prstGeom>
+        </p:spPr>
+      </p:pic>
+      <p:sp>
+        <p:nvSpPr>
+          <p:cNvPr id="18" name="Footer Placeholder 17"/>
+          <p:cNvSpPr>
+            <a:spLocks noGrp="1"/>
+          </p:cNvSpPr>
+          <p:nvPr>
+            <p:ph type="ftr" sz="quarter" idx="11"/>
+          </p:nvPr>
+        </p:nvSpPr>
+        <p:spPr/>
+        <p:txBody>
+          <a:bodyPr/>
+          <a:lstStyle/>
+          <a:p>
+            <a:r>
+              <a:rPr lang="fi-FI" smtClean="0"/>
+              <a:t>Panu Partanen, Sami Pitkänen, Mikko Tiitinen 26.4.2016</a:t>
+            </a:r>
+            <a:endParaRPr lang="fi-FI"/>
+          </a:p>
+        </p:txBody>
+      </p:sp>
+    </p:spTree>
+    <p:extLst>
+      <p:ext uri="{BB962C8B-B14F-4D97-AF65-F5344CB8AC3E}">
+        <p14:creationId xmlns:p14="http://schemas.microsoft.com/office/powerpoint/2010/main" val="1411346834"/>
+      </p:ext>
+    </p:extLst>
+  </p:cSld>
+  <p:clrMapOvr>
+    <a:masterClrMapping/>
+  </p:clrMapOvr>
+  <p:timing>
+    <p:tnLst>
+      <p:par>
+        <p:cTn id="1" dur="indefinite" restart="never" nodeType="tmRoot"/>
+      </p:par>
+    </p:tnLst>
+  </p:timing>
+</p:sld>
+</file>
+
+<file path=ppt/slides/slide6.xml><?xml version="1.0" encoding="utf-8"?>
+<p:sld xmlns:a="http://schemas.openxmlformats.org/drawingml/2006/main" xmlns:r="http://schemas.openxmlformats.org/officeDocument/2006/relationships" xmlns:p="http://schemas.openxmlformats.org/presentationml/2006/main">
+  <p:cSld>
+    <p:spTree>
+      <p:nvGrpSpPr>
+        <p:cNvPr id="1" name=""/>
+        <p:cNvGrpSpPr/>
+        <p:nvPr/>
+      </p:nvGrpSpPr>
+      <p:grpSpPr>
+        <a:xfrm>
+          <a:off x="0" y="0"/>
+          <a:ext cx="0" cy="0"/>
+          <a:chOff x="0" y="0"/>
+          <a:chExt cx="0" cy="0"/>
+        </a:xfrm>
+      </p:grpSpPr>
+      <p:pic>
+        <p:nvPicPr>
+          <p:cNvPr id="2" name="Picture 1"/>
+          <p:cNvPicPr/>
+          <p:nvPr/>
+        </p:nvPicPr>
+        <p:blipFill>
+          <a:blip r:embed="rId2"/>
+          <a:stretch>
+            <a:fillRect/>
+          </a:stretch>
+        </p:blipFill>
+        <p:spPr>
+          <a:xfrm>
+            <a:off x="350434" y="849830"/>
+            <a:ext cx="2124075" cy="4161155"/>
+          </a:xfrm>
+          <a:prstGeom prst="rect">
+            <a:avLst/>
+          </a:prstGeom>
+        </p:spPr>
+      </p:pic>
+      <p:pic>
+        <p:nvPicPr>
+          <p:cNvPr id="3" name="Picture 2"/>
+          <p:cNvPicPr/>
+          <p:nvPr/>
+        </p:nvPicPr>
+        <p:blipFill>
+          <a:blip r:embed="rId3"/>
+          <a:stretch>
+            <a:fillRect/>
+          </a:stretch>
+        </p:blipFill>
+        <p:spPr>
+          <a:xfrm>
+            <a:off x="2678517" y="849830"/>
+            <a:ext cx="2152650" cy="4260850"/>
+          </a:xfrm>
+          <a:prstGeom prst="rect">
+            <a:avLst/>
+          </a:prstGeom>
+        </p:spPr>
+      </p:pic>
+      <p:pic>
+        <p:nvPicPr>
+          <p:cNvPr id="4" name="Picture 3"/>
+          <p:cNvPicPr/>
+          <p:nvPr/>
+        </p:nvPicPr>
+        <p:blipFill>
+          <a:blip r:embed="rId4"/>
+          <a:stretch>
+            <a:fillRect/>
+          </a:stretch>
+        </p:blipFill>
+        <p:spPr>
+          <a:xfrm>
+            <a:off x="5035175" y="843163"/>
+            <a:ext cx="2152650" cy="4274185"/>
+          </a:xfrm>
+          <a:prstGeom prst="rect">
+            <a:avLst/>
+          </a:prstGeom>
+        </p:spPr>
+      </p:pic>
+      <p:pic>
+        <p:nvPicPr>
+          <p:cNvPr id="5" name="Picture 4"/>
+          <p:cNvPicPr/>
+          <p:nvPr/>
+        </p:nvPicPr>
+        <p:blipFill>
+          <a:blip r:embed="rId5"/>
+          <a:stretch>
+            <a:fillRect/>
+          </a:stretch>
+        </p:blipFill>
+        <p:spPr>
+          <a:xfrm>
+            <a:off x="7391832" y="843162"/>
+            <a:ext cx="2113425" cy="4260849"/>
+          </a:xfrm>
+          <a:prstGeom prst="rect">
+            <a:avLst/>
+          </a:prstGeom>
+        </p:spPr>
+      </p:pic>
+      <p:pic>
+        <p:nvPicPr>
+          <p:cNvPr id="6" name="Picture 5"/>
+          <p:cNvPicPr/>
+          <p:nvPr/>
+        </p:nvPicPr>
+        <p:blipFill>
+          <a:blip r:embed="rId6"/>
+          <a:stretch>
+            <a:fillRect/>
+          </a:stretch>
+        </p:blipFill>
+        <p:spPr>
+          <a:xfrm>
+            <a:off x="9709265" y="843163"/>
+            <a:ext cx="2219499" cy="4260849"/>
+          </a:xfrm>
+          <a:prstGeom prst="rect">
+            <a:avLst/>
+          </a:prstGeom>
+        </p:spPr>
+      </p:pic>
+      <p:sp>
+        <p:nvSpPr>
+          <p:cNvPr id="7" name="Footer Placeholder 6"/>
+          <p:cNvSpPr>
+            <a:spLocks noGrp="1"/>
+          </p:cNvSpPr>
+          <p:nvPr>
+            <p:ph type="ftr" sz="quarter" idx="11"/>
+          </p:nvPr>
+        </p:nvSpPr>
+        <p:spPr/>
+        <p:txBody>
+          <a:bodyPr/>
+          <a:lstStyle/>
+          <a:p>
+            <a:r>
+              <a:rPr lang="fi-FI" smtClean="0"/>
+              <a:t>Panu Partanen, Sami Pitkänen, Mikko Tiitinen 26.4.2016</a:t>
+            </a:r>
+            <a:endParaRPr lang="fi-FI"/>
+          </a:p>
+        </p:txBody>
+      </p:sp>
+    </p:spTree>
+    <p:extLst>
+      <p:ext uri="{BB962C8B-B14F-4D97-AF65-F5344CB8AC3E}">
+        <p14:creationId xmlns:p14="http://schemas.microsoft.com/office/powerpoint/2010/main" val="4208300965"/>
+      </p:ext>
+    </p:extLst>
+  </p:cSld>
+  <p:clrMapOvr>
+    <a:masterClrMapping/>
+  </p:clrMapOvr>
+  <p:timing>
+    <p:tnLst>
+      <p:par>
+        <p:cTn id="1" dur="indefinite" restart="never" nodeType="tmRoot"/>
+      </p:par>
+    </p:tnLst>
+  </p:timing>
+</p:sld>
+</file>
+
+<file path=ppt/slides/slide7.xml><?xml version="1.0" encoding="utf-8"?>
+<p:sld xmlns:a="http://schemas.openxmlformats.org/drawingml/2006/main" xmlns:r="http://schemas.openxmlformats.org/officeDocument/2006/relationships" xmlns:p="http://schemas.openxmlformats.org/presentationml/2006/main">
+  <p:cSld>
+    <p:spTree>
+      <p:nvGrpSpPr>
+        <p:cNvPr id="1" name=""/>
+        <p:cNvGrpSpPr/>
+        <p:nvPr/>
+      </p:nvGrpSpPr>
+      <p:grpSpPr>
+        <a:xfrm>
+          <a:off x="0" y="0"/>
+          <a:ext cx="0" cy="0"/>
+          <a:chOff x="0" y="0"/>
+          <a:chExt cx="0" cy="0"/>
+        </a:xfrm>
+      </p:grpSpPr>
+      <p:sp>
+        <p:nvSpPr>
+          <p:cNvPr id="2" name="Title 1"/>
+          <p:cNvSpPr>
+            <a:spLocks noGrp="1"/>
+          </p:cNvSpPr>
+          <p:nvPr>
+            <p:ph type="title"/>
+          </p:nvPr>
+        </p:nvSpPr>
+        <p:spPr/>
+        <p:txBody>
+          <a:bodyPr/>
+          <a:lstStyle/>
+          <a:p>
+            <a:r>
+              <a:rPr lang="fi-FI" dirty="0" smtClean="0">
+                <a:solidFill>
+                  <a:schemeClr val="accent1"/>
+                </a:solidFill>
+              </a:rPr>
+              <a:t>Ongelmat</a:t>
+            </a:r>
+            <a:endParaRPr lang="fi-FI" dirty="0">
+              <a:solidFill>
+                <a:schemeClr val="accent1"/>
+              </a:solidFill>
+            </a:endParaRPr>
+          </a:p>
+        </p:txBody>
+      </p:sp>
+      <p:sp>
+        <p:nvSpPr>
+          <p:cNvPr id="3" name="Content Placeholder 2"/>
+          <p:cNvSpPr>
+            <a:spLocks noGrp="1"/>
+          </p:cNvSpPr>
+          <p:nvPr>
+            <p:ph idx="1"/>
+          </p:nvPr>
+        </p:nvSpPr>
+        <p:spPr/>
+        <p:txBody>
+          <a:bodyPr>
+            <a:normAutofit/>
+          </a:bodyPr>
+          <a:lstStyle/>
+          <a:p>
+            <a:pPr marL="0" indent="0" algn="ctr">
+              <a:buNone/>
+            </a:pPr>
+            <a:r>
+              <a:rPr lang="fi-FI" sz="8000" dirty="0" smtClean="0"/>
+              <a:t>Visual Studio</a:t>
+            </a:r>
+            <a:endParaRPr lang="fi-FI" sz="8000" dirty="0"/>
+          </a:p>
+        </p:txBody>
+      </p:sp>
+      <p:sp>
+        <p:nvSpPr>
+          <p:cNvPr id="4" name="Footer Placeholder 3"/>
+          <p:cNvSpPr>
+            <a:spLocks noGrp="1"/>
+          </p:cNvSpPr>
+          <p:nvPr>
+            <p:ph type="ftr" sz="quarter" idx="11"/>
+          </p:nvPr>
+        </p:nvSpPr>
+        <p:spPr/>
+        <p:txBody>
+          <a:bodyPr/>
+          <a:lstStyle/>
+          <a:p>
+            <a:r>
+              <a:rPr lang="fi-FI" smtClean="0"/>
+              <a:t>Panu Partanen, Sami Pitkänen, Mikko Tiitinen 26.4.2016</a:t>
+            </a:r>
+            <a:endParaRPr lang="fi-FI"/>
+          </a:p>
+        </p:txBody>
+      </p:sp>
+    </p:spTree>
+    <p:extLst>
+      <p:ext uri="{BB962C8B-B14F-4D97-AF65-F5344CB8AC3E}">
+        <p14:creationId xmlns:p14="http://schemas.microsoft.com/office/powerpoint/2010/main" val="3455902943"/>
+      </p:ext>
+    </p:extLst>
+  </p:cSld>
+  <p:clrMapOvr>
+    <a:masterClrMapping/>
+  </p:clrMapOvr>
+  <p:timing>
+    <p:tnLst>
+      <p:par>
+        <p:cTn id="1" dur="indefinite" restart="never" nodeType="tmRoot">
+          <p:childTnLst>
+            <p:seq concurrent="1" nextAc="seek">
+              <p:cTn id="2" dur="indefinite" nodeType="mainSeq">
+                <p:childTnLst>
+                  <p:par>
+                    <p:cTn id="3" fill="hold">
+                      <p:stCondLst>
+                        <p:cond delay="indefinite"/>
+                      </p:stCondLst>
+                      <p:childTnLst>
+                        <p:par>
+                          <p:cTn id="4" fill="hold">
+                            <p:stCondLst>
+                              <p:cond delay="0"/>
+                            </p:stCondLst>
+                            <p:childTnLst>
+                              <p:par>
+                                <p:cTn id="5" presetID="1" presetClass="entr" presetSubtype="0" fill="hold" grpId="0" nodeType="clickEffect">
+                                  <p:stCondLst>
+                                    <p:cond delay="0"/>
+                                  </p:stCondLst>
+                                  <p:childTnLst>
+                                    <p:set>
+                                      <p:cBhvr>
+                                        <p:cTn id="6" dur="1" fill="hold">
+                                          <p:stCondLst>
+                                            <p:cond delay="0"/>
+                                          </p:stCondLst>
+                                        </p:cTn>
+                                        <p:tgtEl>
+                                          <p:spTgt spid="2"/>
+                                        </p:tgtEl>
+                                        <p:attrNameLst>
+                                          <p:attrName>style.visibility</p:attrName>
+                                        </p:attrNameLst>
+                                      </p:cBhvr>
+                                      <p:to>
+                                        <p:strVal val="visible"/>
+                                      </p:to>
+                                    </p:set>
+                                  </p:childTnLst>
+                                </p:cTn>
+                              </p:par>
+                            </p:childTnLst>
+                          </p:cTn>
+                        </p:par>
+                      </p:childTnLst>
+                    </p:cTn>
+                  </p:par>
+                  <p:par>
+                    <p:cTn id="7" fill="hold">
+                      <p:stCondLst>
+                        <p:cond delay="indefinite"/>
+                      </p:stCondLst>
+                      <p:childTnLst>
+                        <p:par>
+                          <p:cTn id="8" fill="hold">
+                            <p:stCondLst>
+                              <p:cond delay="0"/>
+                            </p:stCondLst>
+                            <p:childTnLst>
+                              <p:par>
+                                <p:cTn id="9" presetID="1" presetClass="entr" presetSubtype="0" fill="hold" grpId="0" nodeType="clickEffect">
+                                  <p:stCondLst>
+                                    <p:cond delay="0"/>
+                                  </p:stCondLst>
+                                  <p:childTnLst>
+                                    <p:set>
+                                      <p:cBhvr>
+                                        <p:cTn id="10" dur="1" fill="hold">
+                                          <p:stCondLst>
+                                            <p:cond delay="0"/>
+                                          </p:stCondLst>
+                                        </p:cTn>
+                                        <p:tgtEl>
+                                          <p:spTgt spid="3">
+                                            <p:txEl>
+                                              <p:pRg st="0" end="0"/>
+                                            </p:txEl>
+                                          </p:spTgt>
+                                        </p:tgtEl>
+                                        <p:attrNameLst>
+                                          <p:attrName>style.visibility</p:attrName>
+                                        </p:attrNameLst>
+                                      </p:cBhvr>
+                                      <p:to>
+                                        <p:strVal val="visible"/>
+                                      </p:to>
+                                    </p:set>
+                                  </p:childTnLst>
+                                </p:cTn>
+                              </p:par>
+                            </p:childTnLst>
+                          </p:cTn>
+                        </p:par>
+                      </p:childTnLst>
+                    </p:cTn>
+                  </p:par>
+                </p:childTnLst>
+              </p:cTn>
+              <p:prevCondLst>
+                <p:cond evt="onPrev" delay="0">
+                  <p:tgtEl>
+                    <p:sldTgt/>
+                  </p:tgtEl>
+                </p:cond>
+              </p:prevCondLst>
+              <p:nextCondLst>
+                <p:cond evt="onNext" delay="0">
+                  <p:tgtEl>
+                    <p:sldTgt/>
+                  </p:tgtEl>
+                </p:cond>
+              </p:nextCondLst>
+            </p:seq>
+          </p:childTnLst>
+        </p:cTn>
+      </p:par>
+    </p:tnLst>
+    <p:bldLst>
+      <p:bldP spid="2" grpId="0"/>
+      <p:bldP spid="3" grpId="0" build="p"/>
+    </p:bldLst>
+  </p:timing>
+</p:sld>
+</file>
+
+<file path=ppt/slides/slide8.xml><?xml version="1.0" encoding="utf-8"?>
+<p:sld xmlns:a="http://schemas.openxmlformats.org/drawingml/2006/main" xmlns:r="http://schemas.openxmlformats.org/officeDocument/2006/relationships" xmlns:p="http://schemas.openxmlformats.org/presentationml/2006/main">
+  <p:cSld>
+    <p:spTree>
+      <p:nvGrpSpPr>
+        <p:cNvPr id="1" name=""/>
+        <p:cNvGrpSpPr/>
+        <p:nvPr/>
+      </p:nvGrpSpPr>
+      <p:grpSpPr>
+        <a:xfrm>
+          <a:off x="0" y="0"/>
+          <a:ext cx="0" cy="0"/>
+          <a:chOff x="0" y="0"/>
+          <a:chExt cx="0" cy="0"/>
+        </a:xfrm>
+      </p:grpSpPr>
+      <p:pic>
+        <p:nvPicPr>
+          <p:cNvPr id="2" name="Picture 1"/>
+          <p:cNvPicPr>
+            <a:picLocks noChangeAspect="1"/>
+          </p:cNvPicPr>
+          <p:nvPr/>
+        </p:nvPicPr>
+        <p:blipFill>
+          <a:blip r:embed="rId2"/>
+          <a:stretch>
+            <a:fillRect/>
+          </a:stretch>
+        </p:blipFill>
+        <p:spPr>
+          <a:xfrm>
+            <a:off x="3247342" y="425542"/>
+            <a:ext cx="5734050" cy="5343525"/>
+          </a:xfrm>
+          <a:prstGeom prst="rect">
+            <a:avLst/>
+          </a:prstGeom>
+        </p:spPr>
+      </p:pic>
+      <p:sp>
+        <p:nvSpPr>
+          <p:cNvPr id="3" name="Footer Placeholder 2"/>
+          <p:cNvSpPr>
+            <a:spLocks noGrp="1"/>
+          </p:cNvSpPr>
+          <p:nvPr>
+            <p:ph type="ftr" sz="quarter" idx="11"/>
+          </p:nvPr>
+        </p:nvSpPr>
+        <p:spPr/>
+        <p:txBody>
+          <a:bodyPr/>
+          <a:lstStyle/>
+          <a:p>
+            <a:r>
+              <a:rPr lang="fi-FI" smtClean="0"/>
+              <a:t>Panu Partanen, Sami Pitkänen, Mikko Tiitinen 26.4.2016</a:t>
+            </a:r>
+            <a:endParaRPr lang="fi-FI"/>
+          </a:p>
+        </p:txBody>
+      </p:sp>
+    </p:spTree>
+    <p:extLst>
+      <p:ext uri="{BB962C8B-B14F-4D97-AF65-F5344CB8AC3E}">
+        <p14:creationId xmlns:p14="http://schemas.microsoft.com/office/powerpoint/2010/main" val="2921760085"/>
+      </p:ext>
+    </p:extLst>
+  </p:cSld>
+  <p:clrMapOvr>
+    <a:masterClrMapping/>
+  </p:clrMapOvr>
+  <p:timing>
+    <p:tnLst>
+      <p:par>
+        <p:cTn id="1" dur="indefinite" restart="never" nodeType="tmRoot"/>
+      </p:par>
+    </p:tnLst>
+  </p:timing>
+</p:sld>
+</file>
+
+<file path=ppt/slides/slide9.xml><?xml version="1.0" encoding="utf-8"?>
+<p:sld xmlns:a="http://schemas.openxmlformats.org/drawingml/2006/main" xmlns:r="http://schemas.openxmlformats.org/officeDocument/2006/relationships" xmlns:p="http://schemas.openxmlformats.org/presentationml/2006/main">
+  <p:cSld>
+    <p:spTree>
+      <p:nvGrpSpPr>
+        <p:cNvPr id="1" name=""/>
+        <p:cNvGrpSpPr/>
+        <p:nvPr/>
+      </p:nvGrpSpPr>
+      <p:grpSpPr>
+        <a:xfrm>
+          <a:off x="0" y="0"/>
+          <a:ext cx="0" cy="0"/>
+          <a:chOff x="0" y="0"/>
+          <a:chExt cx="0" cy="0"/>
+        </a:xfrm>
+      </p:grpSpPr>
+      <p:sp>
+        <p:nvSpPr>
+          <p:cNvPr id="2" name="Title 1"/>
+          <p:cNvSpPr>
+            <a:spLocks noGrp="1"/>
+          </p:cNvSpPr>
+          <p:nvPr>
+            <p:ph type="title"/>
+          </p:nvPr>
+        </p:nvSpPr>
+        <p:spPr/>
+        <p:txBody>
+          <a:bodyPr/>
+          <a:lstStyle/>
+          <a:p>
+            <a:r>
+              <a:rPr lang="fi-FI" dirty="0" smtClean="0">
+                <a:solidFill>
+                  <a:schemeClr val="accent1"/>
+                </a:solidFill>
+              </a:rPr>
+              <a:t>Testaus</a:t>
+            </a:r>
+            <a:endParaRPr lang="fi-FI" dirty="0">
+              <a:solidFill>
+                <a:schemeClr val="accent1"/>
+              </a:solidFill>
+            </a:endParaRPr>
+          </a:p>
+        </p:txBody>
+      </p:sp>
+      <p:sp>
+        <p:nvSpPr>
+          <p:cNvPr id="3" name="Content Placeholder 2"/>
+          <p:cNvSpPr>
+            <a:spLocks noGrp="1"/>
+          </p:cNvSpPr>
+          <p:nvPr>
+            <p:ph idx="1"/>
+          </p:nvPr>
+        </p:nvSpPr>
+        <p:spPr/>
+        <p:txBody>
+          <a:bodyPr/>
+          <a:lstStyle/>
+          <a:p>
+            <a:r>
+              <a:rPr lang="fi-FI" dirty="0" smtClean="0"/>
+              <a:t>Koeajaminen ja virheiden etsiminen</a:t>
+            </a:r>
+          </a:p>
+          <a:p>
+            <a:r>
+              <a:rPr lang="fi-FI" dirty="0" smtClean="0"/>
+              <a:t>Debuggaus</a:t>
+            </a:r>
+          </a:p>
+          <a:p>
+            <a:r>
+              <a:rPr lang="fi-FI" dirty="0" smtClean="0"/>
+              <a:t>Yritettiin ”hajottaa” ohjelma</a:t>
+            </a:r>
+            <a:endParaRPr lang="fi-FI" dirty="0"/>
+          </a:p>
+        </p:txBody>
+      </p:sp>
+      <p:sp>
+        <p:nvSpPr>
+          <p:cNvPr id="4" name="Footer Placeholder 3"/>
+          <p:cNvSpPr>
+            <a:spLocks noGrp="1"/>
+          </p:cNvSpPr>
+          <p:nvPr>
+            <p:ph type="ftr" sz="quarter" idx="11"/>
+          </p:nvPr>
+        </p:nvSpPr>
+        <p:spPr/>
+        <p:txBody>
+          <a:bodyPr/>
+          <a:lstStyle/>
+          <a:p>
+            <a:r>
+              <a:rPr lang="fi-FI" smtClean="0"/>
+              <a:t>Panu Partanen, Sami Pitkänen, Mikko Tiitinen 26.4.2016</a:t>
+            </a:r>
+            <a:endParaRPr lang="fi-FI"/>
+          </a:p>
+        </p:txBody>
+      </p:sp>
+    </p:spTree>
+    <p:extLst>
+      <p:ext uri="{BB962C8B-B14F-4D97-AF65-F5344CB8AC3E}">
+        <p14:creationId xmlns:p14="http://schemas.microsoft.com/office/powerpoint/2010/main" val="3514518855"/>
+      </p:ext>
+    </p:extLst>
+  </p:cSld>
+  <p:clrMapOvr>
+    <a:masterClrMapping/>
+  </p:clrMapOvr>
+  <p:timing>
+    <p:tnLst>
+      <p:par>
+        <p:cTn id="1" dur="indefinite" restart="never" nodeType="tmRoot">
+          <p:childTnLst>
+            <p:seq concurrent="1" nextAc="seek">
+              <p:cTn id="2" dur="indefinite" nodeType="mainSeq">
+                <p:childTnLst>
+                  <p:par>
+                    <p:cTn id="3" fill="hold">
+                      <p:stCondLst>
+                        <p:cond delay="indefinite"/>
+                      </p:stCondLst>
+                      <p:childTnLst>
+                        <p:par>
+                          <p:cTn id="4" fill="hold">
+                            <p:stCondLst>
+                              <p:cond delay="0"/>
+                            </p:stCondLst>
+                            <p:childTnLst>
+                              <p:par>
+                                <p:cTn id="5" presetID="1" presetClass="entr" presetSubtype="0" fill="hold" grpId="0" nodeType="clickEffect">
+                                  <p:stCondLst>
+                                    <p:cond delay="0"/>
+                                  </p:stCondLst>
+                                  <p:childTnLst>
+                                    <p:set>
+                                      <p:cBhvr>
+                                        <p:cTn id="6" dur="1" fill="hold">
+                                          <p:stCondLst>
+                                            <p:cond delay="0"/>
+                                          </p:stCondLst>
+                                        </p:cTn>
+                                        <p:tgtEl>
+                                          <p:spTgt spid="2"/>
+                                        </p:tgtEl>
+                                        <p:attrNameLst>
+                                          <p:attrName>style.visibility</p:attrName>
+                                        </p:attrNameLst>
+                                      </p:cBhvr>
+                                      <p:to>
+                                        <p:strVal val="visible"/>
+                                      </p:to>
+                                    </p:set>
+                                  </p:childTnLst>
+                                </p:cTn>
+                              </p:par>
+                            </p:childTnLst>
+                          </p:cTn>
+                        </p:par>
+                      </p:childTnLst>
+                    </p:cTn>
+                  </p:par>
+                  <p:par>
+                    <p:cTn id="7" fill="hold">
+                      <p:stCondLst>
+                        <p:cond delay="indefinite"/>
+                      </p:stCondLst>
+                      <p:childTnLst>
+                        <p:par>
+                          <p:cTn id="8" fill="hold">
+                            <p:stCondLst>
+                              <p:cond delay="0"/>
+                            </p:stCondLst>
+                            <p:childTnLst>
+                              <p:par>
+                                <p:cTn id="9" presetID="1" presetClass="entr" presetSubtype="0" fill="hold" nodeType="clickEffect">
+                                  <p:stCondLst>
+                                    <p:cond delay="0"/>
+                                  </p:stCondLst>
+                                  <p:childTnLst>
+                                    <p:set>
+                                      <p:cBhvr>
+                                        <p:cTn id="10" dur="1" fill="hold">
+                                          <p:stCondLst>
+                                            <p:cond delay="0"/>
+                                          </p:stCondLst>
+                                        </p:cTn>
+                                        <p:tgtEl>
+                                          <p:spTgt spid="3">
+                                            <p:txEl>
+                                              <p:pRg st="0" end="0"/>
+                                            </p:txEl>
+                                          </p:spTgt>
+                                        </p:tgtEl>
+                                        <p:attrNameLst>
+                                          <p:attrName>style.visibility</p:attrName>
+                                        </p:attrNameLst>
+                                      </p:cBhvr>
+                                      <p:to>
+                                        <p:strVal val="visible"/>
+                                      </p:to>
+                                    </p:set>
+                                  </p:childTnLst>
+                                </p:cTn>
+                              </p:par>
+                            </p:childTnLst>
+                          </p:cTn>
+                        </p:par>
+                      </p:childTnLst>
+                    </p:cTn>
+                  </p:par>
+                  <p:par>
+                    <p:cTn id="11" fill="hold">
+                      <p:stCondLst>
+                        <p:cond delay="indefinite"/>
+                      </p:stCondLst>
+                      <p:childTnLst>
+                        <p:par>
+                          <p:cTn id="12" fill="hold">
+                            <p:stCondLst>
+                              <p:cond delay="0"/>
+                            </p:stCondLst>
+                            <p:childTnLst>
+                              <p:par>
+                                <p:cTn id="13" presetID="1" presetClass="entr" presetSubtype="0" fill="hold" nodeType="clickEffect">
+                                  <p:stCondLst>
+                                    <p:cond delay="0"/>
+                                  </p:stCondLst>
+                                  <p:childTnLst>
+                                    <p:set>
+                                      <p:cBhvr>
+                                        <p:cTn id="14" dur="1" fill="hold">
+                                          <p:stCondLst>
+                                            <p:cond delay="0"/>
+                                          </p:stCondLst>
+                                        </p:cTn>
+                                        <p:tgtEl>
+                                          <p:spTgt spid="3">
+                                            <p:txEl>
+                                              <p:pRg st="1" end="1"/>
+                                            </p:txEl>
+                                          </p:spTgt>
+                                        </p:tgtEl>
+                                        <p:attrNameLst>
+                                          <p:attrName>style.visibility</p:attrName>
+                                        </p:attrNameLst>
+                                      </p:cBhvr>
+                                      <p:to>
+                                        <p:strVal val="visible"/>
+                                      </p:to>
+                                    </p:set>
+                                  </p:childTnLst>
+                                </p:cTn>
+                              </p:par>
+                            </p:childTnLst>
+                          </p:cTn>
+                        </p:par>
+                      </p:childTnLst>
+                    </p:cTn>
+                  </p:par>
+                  <p:par>
+                    <p:cTn id="15" fill="hold">
+                      <p:stCondLst>
+                        <p:cond delay="indefinite"/>
+                      </p:stCondLst>
+                      <p:childTnLst>
+                        <p:par>
+                          <p:cTn id="16" fill="hold">
+                            <p:stCondLst>
+                              <p:cond delay="0"/>
+                            </p:stCondLst>
+                            <p:childTnLst>
+                              <p:par>
+                                <p:cTn id="17" presetID="1" presetClass="entr" presetSubtype="0" fill="hold" nodeType="clickEffect">
+                                  <p:stCondLst>
+                                    <p:cond delay="0"/>
+                                  </p:stCondLst>
+                                  <p:childTnLst>
+                                    <p:set>
+                                      <p:cBhvr>
+                                        <p:cTn id="18" dur="1" fill="hold">
+                                          <p:stCondLst>
+                                            <p:cond delay="0"/>
+                                          </p:stCondLst>
+                                        </p:cTn>
+                                        <p:tgtEl>
+                                          <p:spTgt spid="3">
+                                            <p:txEl>
+                                              <p:pRg st="2" end="2"/>
+                                            </p:txEl>
+                                          </p:spTgt>
+                                        </p:tgtEl>
+                                        <p:attrNameLst>
+                                          <p:attrName>style.visibility</p:attrName>
+                                        </p:attrNameLst>
+                                      </p:cBhvr>
+                                      <p:to>
+                                        <p:strVal val="visible"/>
+                                      </p:to>
+                                    </p:set>
+                                  </p:childTnLst>
+                                </p:cTn>
+                              </p:par>
+                            </p:childTnLst>
+                          </p:cTn>
+                        </p:par>
+                      </p:childTnLst>
+                    </p:cTn>
+                  </p:par>
+                </p:childTnLst>
+              </p:cTn>
+              <p:prevCondLst>
+                <p:cond evt="onPrev" delay="0">
+                  <p:tgtEl>
+                    <p:sldTgt/>
+                  </p:tgtEl>
+                </p:cond>
+              </p:prevCondLst>
+              <p:nextCondLst>
+                <p:cond evt="onNext" delay="0">
+                  <p:tgtEl>
+                    <p:sldTgt/>
+                  </p:tgtEl>
+                </p:cond>
+              </p:nextCondLst>
+            </p:seq>
+          </p:childTnLst>
+        </p:cTn>
+      </p:par>
+    </p:tnLst>
+    <p:bldLst>
+      <p:bldP spid="2" grpId="0"/>
+    </p:bldLst>
+  </p:timing>
 </p:sld>
 </file>
 
@@ -7182,4 +9511,265 @@
     </a:ext>
   </a:extLst>
 </a:theme>
+</file>
+
+<file path=ppt/theme/theme2.xml><?xml version="1.0" encoding="utf-8"?>
+<a:theme xmlns:a="http://schemas.openxmlformats.org/drawingml/2006/main" name="Office Theme">
+  <a:themeElements>
+    <a:clrScheme name="Office">
+      <a:dk1>
+        <a:sysClr val="windowText" lastClr="000000"/>
+      </a:dk1>
+      <a:lt1>
+        <a:sysClr val="window" lastClr="FFFFFF"/>
+      </a:lt1>
+      <a:dk2>
+        <a:srgbClr val="44546A"/>
+      </a:dk2>
+      <a:lt2>
+        <a:srgbClr val="E7E6E6"/>
+      </a:lt2>
+      <a:accent1>
+        <a:srgbClr val="5B9BD5"/>
+      </a:accent1>
+      <a:accent2>
+        <a:srgbClr val="ED7D31"/>
+      </a:accent2>
+      <a:accent3>
+        <a:srgbClr val="A5A5A5"/>
+      </a:accent3>
+      <a:accent4>
+        <a:srgbClr val="FFC000"/>
+      </a:accent4>
+      <a:accent5>
+        <a:srgbClr val="4472C4"/>
+      </a:accent5>
+      <a:accent6>
+        <a:srgbClr val="70AD47"/>
+      </a:accent6>
+      <a:hlink>
+        <a:srgbClr val="0563C1"/>
+      </a:hlink>
+      <a:folHlink>
+        <a:srgbClr val="954F72"/>
+      </a:folHlink>
+    </a:clrScheme>
+    <a:fontScheme name="Office">
+      <a:majorFont>
+        <a:latin typeface="Calibri Light" panose="020F0302020204030204"/>
+        <a:ea typeface=""/>
+        <a:cs typeface=""/>
+        <a:font script="Jpan" typeface="游ゴシック Light"/>
+        <a:font script="Hang" typeface="맑은 고딕"/>
+        <a:font script="Hans" typeface="等线 Light"/>
+        <a:font script="Hant" typeface="新細明體"/>
+        <a:font script="Arab" typeface="Times New Roman"/>
+        <a:font script="Hebr" typeface="Times New Roman"/>
+        <a:font script="Thai" typeface="Angsana New"/>
+        <a:font script="Ethi" typeface="Nyala"/>
+        <a:font script="Beng" typeface="Vrinda"/>
+        <a:font script="Gujr" typeface="Shruti"/>
+        <a:font script="Khmr" typeface="MoolBoran"/>
+        <a:font script="Knda" typeface="Tunga"/>
+        <a:font script="Guru" typeface="Raavi"/>
+        <a:font script="Cans" typeface="Euphemia"/>
+        <a:font script="Cher" typeface="Plantagenet Cherokee"/>
+        <a:font script="Yiii" typeface="Microsoft Yi Baiti"/>
+        <a:font script="Tibt" typeface="Microsoft Himalaya"/>
+        <a:font script="Thaa" typeface="MV Boli"/>
+        <a:font script="Deva" typeface="Mangal"/>
+        <a:font script="Telu" typeface="Gautami"/>
+        <a:font script="Taml" typeface="Latha"/>
+        <a:font script="Syrc" typeface="Estrangelo Edessa"/>
+        <a:font script="Orya" typeface="Kalinga"/>
+        <a:font script="Mlym" typeface="Kartika"/>
+        <a:font script="Laoo" typeface="DokChampa"/>
+        <a:font script="Sinh" typeface="Iskoola Pota"/>
+        <a:font script="Mong" typeface="Mongolian Baiti"/>
+        <a:font script="Viet" typeface="Times New Roman"/>
+        <a:font script="Uigh" typeface="Microsoft Uighur"/>
+        <a:font script="Geor" typeface="Sylfaen"/>
+      </a:majorFont>
+      <a:minorFont>
+        <a:latin typeface="Calibri" panose="020F0502020204030204"/>
+        <a:ea typeface=""/>
+        <a:cs typeface=""/>
+        <a:font script="Jpan" typeface="游ゴシック"/>
+        <a:font script="Hang" typeface="맑은 고딕"/>
+        <a:font script="Hans" typeface="等线"/>
+        <a:font script="Hant" typeface="新細明體"/>
+        <a:font script="Arab" typeface="Arial"/>
+        <a:font script="Hebr" typeface="Arial"/>
+        <a:font script="Thai" typeface="Cordia New"/>
+        <a:font script="Ethi" typeface="Nyala"/>
+        <a:font script="Beng" typeface="Vrinda"/>
+        <a:font script="Gujr" typeface="Shruti"/>
+        <a:font script="Khmr" typeface="DaunPenh"/>
+        <a:font script="Knda" typeface="Tunga"/>
+        <a:font script="Guru" typeface="Raavi"/>
+        <a:font script="Cans" typeface="Euphemia"/>
+        <a:font script="Cher" typeface="Plantagenet Cherokee"/>
+        <a:font script="Yiii" typeface="Microsoft Yi Baiti"/>
+        <a:font script="Tibt" typeface="Microsoft Himalaya"/>
+        <a:font script="Thaa" typeface="MV Boli"/>
+        <a:font script="Deva" typeface="Mangal"/>
+        <a:font script="Telu" typeface="Gautami"/>
+        <a:font script="Taml" typeface="Latha"/>
+        <a:font script="Syrc" typeface="Estrangelo Edessa"/>
+        <a:font script="Orya" typeface="Kalinga"/>
+        <a:font script="Mlym" typeface="Kartika"/>
+        <a:font script="Laoo" typeface="DokChampa"/>
+        <a:font script="Sinh" typeface="Iskoola Pota"/>
+        <a:font script="Mong" typeface="Mongolian Baiti"/>
+        <a:font script="Viet" typeface="Arial"/>
+        <a:font script="Uigh" typeface="Microsoft Uighur"/>
+        <a:font script="Geor" typeface="Sylfaen"/>
+      </a:minorFont>
+    </a:fontScheme>
+    <a:fmtScheme name="Office">
+      <a:fillStyleLst>
+        <a:solidFill>
+          <a:schemeClr val="phClr"/>
+        </a:solidFill>
+        <a:gradFill rotWithShape="1">
+          <a:gsLst>
+            <a:gs pos="0">
+              <a:schemeClr val="phClr">
+                <a:lumMod val="110000"/>
+                <a:satMod val="105000"/>
+                <a:tint val="67000"/>
+              </a:schemeClr>
+            </a:gs>
+            <a:gs pos="50000">
+              <a:schemeClr val="phClr">
+                <a:lumMod val="105000"/>
+                <a:satMod val="103000"/>
+                <a:tint val="73000"/>
+              </a:schemeClr>
+            </a:gs>
+            <a:gs pos="100000">
+              <a:schemeClr val="phClr">
+                <a:lumMod val="105000"/>
+                <a:satMod val="109000"/>
+                <a:tint val="81000"/>
+              </a:schemeClr>
+            </a:gs>
+          </a:gsLst>
+          <a:lin ang="5400000" scaled="0"/>
+        </a:gradFill>
+        <a:gradFill rotWithShape="1">
+          <a:gsLst>
+            <a:gs pos="0">
+              <a:schemeClr val="phClr">
+                <a:satMod val="103000"/>
+                <a:lumMod val="102000"/>
+                <a:tint val="94000"/>
+              </a:schemeClr>
+            </a:gs>
+            <a:gs pos="50000">
+              <a:schemeClr val="phClr">
+                <a:satMod val="110000"/>
+                <a:lumMod val="100000"/>
+                <a:shade val="100000"/>
+              </a:schemeClr>
+            </a:gs>
+            <a:gs pos="100000">
+              <a:schemeClr val="phClr">
+                <a:lumMod val="99000"/>
+                <a:satMod val="120000"/>
+                <a:shade val="78000"/>
+              </a:schemeClr>
+            </a:gs>
+          </a:gsLst>
+          <a:lin ang="5400000" scaled="0"/>
+        </a:gradFill>
+      </a:fillStyleLst>
+      <a:lnStyleLst>
+        <a:ln w="6350" cap="flat" cmpd="sng" algn="ctr">
+          <a:solidFill>
+            <a:schemeClr val="phClr"/>
+          </a:solidFill>
+          <a:prstDash val="solid"/>
+          <a:miter lim="800000"/>
+        </a:ln>
+        <a:ln w="12700" cap="flat" cmpd="sng" algn="ctr">
+          <a:solidFill>
+            <a:schemeClr val="phClr"/>
+          </a:solidFill>
+          <a:prstDash val="solid"/>
+          <a:miter lim="800000"/>
+        </a:ln>
+        <a:ln w="19050" cap="flat" cmpd="sng" algn="ctr">
+          <a:solidFill>
+            <a:schemeClr val="phClr"/>
+          </a:solidFill>
+          <a:prstDash val="solid"/>
+          <a:miter lim="800000"/>
+        </a:ln>
+      </a:lnStyleLst>
+      <a:effectStyleLst>
+        <a:effectStyle>
+          <a:effectLst/>
+        </a:effectStyle>
+        <a:effectStyle>
+          <a:effectLst/>
+        </a:effectStyle>
+        <a:effectStyle>
+          <a:effectLst>
+            <a:outerShdw blurRad="57150" dist="19050" dir="5400000" algn="ctr" rotWithShape="0">
+              <a:srgbClr val="000000">
+                <a:alpha val="63000"/>
+              </a:srgbClr>
+            </a:outerShdw>
+          </a:effectLst>
+        </a:effectStyle>
+      </a:effectStyleLst>
+      <a:bgFillStyleLst>
+        <a:solidFill>
+          <a:schemeClr val="phClr"/>
+        </a:solidFill>
+        <a:solidFill>
+          <a:schemeClr val="phClr">
+            <a:tint val="95000"/>
+            <a:satMod val="170000"/>
+          </a:schemeClr>
+        </a:solidFill>
+        <a:gradFill rotWithShape="1">
+          <a:gsLst>
+            <a:gs pos="0">
+              <a:schemeClr val="phClr">
+                <a:tint val="93000"/>
+                <a:satMod val="150000"/>
+                <a:shade val="98000"/>
+                <a:lumMod val="102000"/>
+              </a:schemeClr>
+            </a:gs>
+            <a:gs pos="50000">
+              <a:schemeClr val="phClr">
+                <a:tint val="98000"/>
+                <a:satMod val="130000"/>
+                <a:shade val="90000"/>
+                <a:lumMod val="103000"/>
+              </a:schemeClr>
+            </a:gs>
+            <a:gs pos="100000">
+              <a:schemeClr val="phClr">
+                <a:shade val="63000"/>
+                <a:satMod val="120000"/>
+              </a:schemeClr>
+            </a:gs>
+          </a:gsLst>
+          <a:lin ang="5400000" scaled="0"/>
+        </a:gradFill>
+      </a:bgFillStyleLst>
+    </a:fmtScheme>
+  </a:themeElements>
+  <a:objectDefaults/>
+  <a:extraClrSchemeLst/>
+  <a:extLst>
+    <a:ext uri="{05A4C25C-085E-4340-85A3-A5531E510DB2}">
+      <thm15:themeFamily xmlns:thm15="http://schemas.microsoft.com/office/thememl/2012/main" name="Office Theme" id="{62F939B6-93AF-4DB8-9C6B-D6C7DFDC589F}" vid="{4A3C46E8-61CC-4603-A589-7422A47A8E4A}"/>
+    </a:ext>
+  </a:extLst>
+</a:theme>
 </file>